--- a/Material AngularJS/AngularJS - Clase 1 Segundas 30.pptx
+++ b/Material AngularJS/AngularJS - Clase 1 Segundas 30.pptx
@@ -225,7 +225,7 @@
           <a:p>
             <a:fld id="{0CB2ADE4-DA66-4D2B-AEBC-945044852B12}" type="datetimeFigureOut">
               <a:rPr lang="es-AR" smtClean="0"/>
-              <a:t>14/10/2014</a:t>
+              <a:t>15/10/2014</a:t>
             </a:fld>
             <a:endParaRPr lang="es-AR"/>
           </a:p>
@@ -537,7 +537,135 @@
           <a:bodyPr/>
           <a:lstStyle/>
           <a:p>
-            <a:endParaRPr lang="en-US" dirty="0"/>
+            <a:pPr marL="0" marR="0" indent="0" algn="l" defTabSz="914400" rtl="0" eaLnBrk="1" fontAlgn="auto" latinLnBrk="0" hangingPunct="1">
+              <a:lnSpc>
+                <a:spcPct val="100000"/>
+              </a:lnSpc>
+              <a:spcBef>
+                <a:spcPts val="0"/>
+              </a:spcBef>
+              <a:spcAft>
+                <a:spcPts val="0"/>
+              </a:spcAft>
+              <a:buClrTx/>
+              <a:buSzTx/>
+              <a:buFontTx/>
+              <a:buNone/>
+              <a:tabLst/>
+              <a:defRPr/>
+            </a:pPr>
+            <a:r>
+              <a:rPr lang="en-US" dirty="0" smtClean="0"/>
+              <a:t>El </a:t>
+            </a:r>
+            <a:r>
+              <a:rPr lang="en-US" dirty="0" err="1" smtClean="0"/>
+              <a:t>caso</a:t>
+            </a:r>
+            <a:r>
+              <a:rPr lang="en-US" dirty="0" smtClean="0"/>
+              <a:t> mas </a:t>
+            </a:r>
+            <a:r>
+              <a:rPr lang="en-US" dirty="0" err="1" smtClean="0"/>
+              <a:t>usado</a:t>
+            </a:r>
+            <a:r>
+              <a:rPr lang="en-US" baseline="0" dirty="0" smtClean="0"/>
+              <a:t> </a:t>
+            </a:r>
+            <a:r>
+              <a:rPr lang="en-US" baseline="0" dirty="0" err="1" smtClean="0"/>
+              <a:t>es</a:t>
+            </a:r>
+            <a:r>
+              <a:rPr lang="en-US" baseline="0" dirty="0" smtClean="0"/>
+              <a:t> el filter </a:t>
+            </a:r>
+            <a:r>
+              <a:rPr lang="en-US" baseline="0" dirty="0" err="1" smtClean="0"/>
+              <a:t>llamado</a:t>
+            </a:r>
+            <a:r>
+              <a:rPr lang="en-US" baseline="0" dirty="0" smtClean="0"/>
+              <a:t> “filter”. Lo </a:t>
+            </a:r>
+            <a:r>
+              <a:rPr lang="en-US" baseline="0" dirty="0" err="1" smtClean="0"/>
+              <a:t>que</a:t>
+            </a:r>
+            <a:r>
+              <a:rPr lang="en-US" baseline="0" dirty="0" smtClean="0"/>
+              <a:t> </a:t>
+            </a:r>
+            <a:r>
+              <a:rPr lang="en-US" baseline="0" dirty="0" err="1" smtClean="0"/>
+              <a:t>hace</a:t>
+            </a:r>
+            <a:r>
+              <a:rPr lang="en-US" baseline="0" dirty="0" smtClean="0"/>
+              <a:t> </a:t>
+            </a:r>
+            <a:r>
+              <a:rPr lang="en-US" baseline="0" dirty="0" err="1" smtClean="0"/>
+              <a:t>es</a:t>
+            </a:r>
+            <a:r>
+              <a:rPr lang="en-US" baseline="0" dirty="0" smtClean="0"/>
+              <a:t> </a:t>
+            </a:r>
+            <a:r>
+              <a:rPr lang="en-US" baseline="0" dirty="0" err="1" smtClean="0"/>
+              <a:t>filtrar</a:t>
+            </a:r>
+            <a:r>
+              <a:rPr lang="en-US" baseline="0" dirty="0" smtClean="0"/>
+              <a:t> </a:t>
+            </a:r>
+            <a:r>
+              <a:rPr lang="en-US" baseline="0" dirty="0" err="1" smtClean="0"/>
+              <a:t>una</a:t>
+            </a:r>
+            <a:r>
+              <a:rPr lang="en-US" baseline="0" dirty="0" smtClean="0"/>
+              <a:t> </a:t>
+            </a:r>
+            <a:r>
+              <a:rPr lang="en-US" baseline="0" dirty="0" err="1" smtClean="0"/>
+              <a:t>coleccion</a:t>
+            </a:r>
+            <a:r>
+              <a:rPr lang="en-US" baseline="0" dirty="0" smtClean="0"/>
+              <a:t> </a:t>
+            </a:r>
+            <a:r>
+              <a:rPr lang="en-US" baseline="0" dirty="0" err="1" smtClean="0"/>
+              <a:t>en</a:t>
+            </a:r>
+            <a:r>
+              <a:rPr lang="en-US" baseline="0" dirty="0" smtClean="0"/>
+              <a:t> base a </a:t>
+            </a:r>
+            <a:r>
+              <a:rPr lang="en-US" baseline="0" dirty="0" err="1" smtClean="0"/>
+              <a:t>su</a:t>
+            </a:r>
+            <a:r>
+              <a:rPr lang="en-US" baseline="0" dirty="0" smtClean="0"/>
+              <a:t> </a:t>
+            </a:r>
+            <a:r>
+              <a:rPr lang="en-US" baseline="0" dirty="0" err="1" smtClean="0"/>
+              <a:t>contenido</a:t>
+            </a:r>
+            <a:r>
+              <a:rPr lang="en-US" baseline="0" dirty="0" smtClean="0"/>
+              <a:t>.</a:t>
+            </a:r>
+            <a:endParaRPr lang="es-AR" dirty="0" smtClean="0"/>
+          </a:p>
+          <a:p>
+            <a:endParaRPr lang="es-AR" dirty="0"/>
           </a:p>
         </p:txBody>
       </p:sp>
@@ -558,6 +686,1953 @@
           <a:p>
             <a:fld id="{7D61118C-0B68-45A8-8791-420E0DB4DDEA}" type="slidenum">
               <a:rPr lang="es-AR" smtClean="0"/>
+              <a:t>1</a:t>
+            </a:fld>
+            <a:endParaRPr lang="es-AR"/>
+          </a:p>
+        </p:txBody>
+      </p:sp>
+    </p:spTree>
+    <p:extLst>
+      <p:ext uri="{BB962C8B-B14F-4D97-AF65-F5344CB8AC3E}">
+        <p14:creationId xmlns:p14="http://schemas.microsoft.com/office/powerpoint/2010/main" val="2059296644"/>
+      </p:ext>
+    </p:extLst>
+  </p:cSld>
+  <p:clrMapOvr>
+    <a:masterClrMapping/>
+  </p:clrMapOvr>
+</p:notes>
+</file>
+
+<file path=ppt/notesSlides/notesSlide10.xml><?xml version="1.0" encoding="utf-8"?>
+<p:notes xmlns:a="http://schemas.openxmlformats.org/drawingml/2006/main" xmlns:r="http://schemas.openxmlformats.org/officeDocument/2006/relationships" xmlns:p="http://schemas.openxmlformats.org/presentationml/2006/main">
+  <p:cSld>
+    <p:spTree>
+      <p:nvGrpSpPr>
+        <p:cNvPr id="1" name=""/>
+        <p:cNvGrpSpPr/>
+        <p:nvPr/>
+      </p:nvGrpSpPr>
+      <p:grpSpPr>
+        <a:xfrm>
+          <a:off x="0" y="0"/>
+          <a:ext cx="0" cy="0"/>
+          <a:chOff x="0" y="0"/>
+          <a:chExt cx="0" cy="0"/>
+        </a:xfrm>
+      </p:grpSpPr>
+      <p:sp>
+        <p:nvSpPr>
+          <p:cNvPr id="2" name="Slide Image Placeholder 1"/>
+          <p:cNvSpPr>
+            <a:spLocks noGrp="1" noRot="1" noChangeAspect="1"/>
+          </p:cNvSpPr>
+          <p:nvPr>
+            <p:ph type="sldImg"/>
+          </p:nvPr>
+        </p:nvSpPr>
+        <p:spPr/>
+      </p:sp>
+      <p:sp>
+        <p:nvSpPr>
+          <p:cNvPr id="3" name="Notes Placeholder 2"/>
+          <p:cNvSpPr>
+            <a:spLocks noGrp="1"/>
+          </p:cNvSpPr>
+          <p:nvPr>
+            <p:ph type="body" idx="1"/>
+          </p:nvPr>
+        </p:nvSpPr>
+        <p:spPr/>
+        <p:txBody>
+          <a:bodyPr/>
+          <a:lstStyle/>
+          <a:p>
+            <a:r>
+              <a:rPr lang="en-US" dirty="0" err="1" smtClean="0"/>
+              <a:t>Tambien</a:t>
+            </a:r>
+            <a:r>
+              <a:rPr lang="en-US" dirty="0" smtClean="0"/>
+              <a:t> </a:t>
+            </a:r>
+            <a:r>
+              <a:rPr lang="en-US" dirty="0" err="1" smtClean="0"/>
+              <a:t>podemos</a:t>
+            </a:r>
+            <a:r>
+              <a:rPr lang="en-US" dirty="0" smtClean="0"/>
+              <a:t> </a:t>
+            </a:r>
+            <a:r>
+              <a:rPr lang="en-US" dirty="0" err="1" smtClean="0"/>
+              <a:t>crear</a:t>
+            </a:r>
+            <a:r>
+              <a:rPr lang="en-US" dirty="0" smtClean="0"/>
+              <a:t> </a:t>
+            </a:r>
+            <a:r>
+              <a:rPr lang="en-US" dirty="0" err="1" smtClean="0"/>
+              <a:t>filtros</a:t>
+            </a:r>
+            <a:r>
+              <a:rPr lang="en-US" dirty="0" smtClean="0"/>
+              <a:t> custom para </a:t>
+            </a:r>
+            <a:r>
+              <a:rPr lang="en-US" dirty="0" err="1" smtClean="0"/>
+              <a:t>usar</a:t>
+            </a:r>
+            <a:r>
+              <a:rPr lang="en-US" dirty="0" smtClean="0"/>
+              <a:t> </a:t>
+            </a:r>
+            <a:r>
+              <a:rPr lang="en-US" dirty="0" err="1" smtClean="0"/>
+              <a:t>criterios</a:t>
+            </a:r>
+            <a:r>
+              <a:rPr lang="en-US" dirty="0" smtClean="0"/>
+              <a:t> mas </a:t>
+            </a:r>
+            <a:r>
+              <a:rPr lang="en-US" dirty="0" err="1" smtClean="0"/>
+              <a:t>complejos</a:t>
+            </a:r>
+            <a:r>
+              <a:rPr lang="en-US" dirty="0" smtClean="0"/>
+              <a:t> y </a:t>
+            </a:r>
+            <a:r>
+              <a:rPr lang="en-US" dirty="0" err="1" smtClean="0"/>
+              <a:t>reusables</a:t>
+            </a:r>
+            <a:r>
+              <a:rPr lang="en-US" dirty="0" smtClean="0"/>
+              <a:t>.</a:t>
+            </a:r>
+          </a:p>
+          <a:p>
+            <a:r>
+              <a:rPr lang="en-US" dirty="0" err="1" smtClean="0"/>
+              <a:t>Por</a:t>
+            </a:r>
+            <a:r>
+              <a:rPr lang="en-US" dirty="0" smtClean="0"/>
+              <a:t> </a:t>
+            </a:r>
+            <a:r>
+              <a:rPr lang="en-US" dirty="0" err="1" smtClean="0"/>
+              <a:t>ejemplo</a:t>
+            </a:r>
+            <a:r>
+              <a:rPr lang="en-US" dirty="0" smtClean="0"/>
+              <a:t>, </a:t>
+            </a:r>
+            <a:r>
+              <a:rPr lang="en-US" dirty="0" err="1" smtClean="0"/>
+              <a:t>si</a:t>
+            </a:r>
+            <a:r>
+              <a:rPr lang="en-US" dirty="0" smtClean="0"/>
+              <a:t> </a:t>
+            </a:r>
+            <a:r>
+              <a:rPr lang="en-US" dirty="0" err="1" smtClean="0"/>
+              <a:t>quisieramos</a:t>
+            </a:r>
+            <a:r>
+              <a:rPr lang="en-US" baseline="0" dirty="0" smtClean="0"/>
+              <a:t> </a:t>
+            </a:r>
+            <a:r>
+              <a:rPr lang="en-US" baseline="0" dirty="0" err="1" smtClean="0"/>
+              <a:t>filtrar</a:t>
+            </a:r>
+            <a:r>
+              <a:rPr lang="en-US" baseline="0" dirty="0" smtClean="0"/>
+              <a:t> los </a:t>
+            </a:r>
+            <a:r>
+              <a:rPr lang="en-US" baseline="0" dirty="0" err="1" smtClean="0"/>
+              <a:t>libros</a:t>
+            </a:r>
+            <a:r>
+              <a:rPr lang="en-US" baseline="0" dirty="0" smtClean="0"/>
+              <a:t> </a:t>
+            </a:r>
+            <a:r>
+              <a:rPr lang="en-US" baseline="0" dirty="0" err="1" smtClean="0"/>
+              <a:t>segun</a:t>
+            </a:r>
+            <a:r>
+              <a:rPr lang="en-US" baseline="0" dirty="0" smtClean="0"/>
+              <a:t> </a:t>
+            </a:r>
+            <a:r>
+              <a:rPr lang="en-US" baseline="0" dirty="0" err="1" smtClean="0"/>
+              <a:t>si</a:t>
+            </a:r>
+            <a:r>
+              <a:rPr lang="en-US" baseline="0" dirty="0" smtClean="0"/>
+              <a:t> se </a:t>
+            </a:r>
+            <a:r>
+              <a:rPr lang="en-US" baseline="0" dirty="0" err="1" smtClean="0"/>
+              <a:t>publicaron</a:t>
+            </a:r>
+            <a:r>
+              <a:rPr lang="en-US" baseline="0" dirty="0" smtClean="0"/>
+              <a:t> </a:t>
+            </a:r>
+            <a:r>
+              <a:rPr lang="en-US" baseline="0" dirty="0" err="1" smtClean="0"/>
+              <a:t>en</a:t>
+            </a:r>
+            <a:r>
+              <a:rPr lang="en-US" baseline="0" dirty="0" smtClean="0"/>
+              <a:t> un </a:t>
+            </a:r>
+            <a:r>
+              <a:rPr lang="en-US" baseline="0" dirty="0" err="1" smtClean="0"/>
+              <a:t>pais</a:t>
+            </a:r>
+            <a:r>
+              <a:rPr lang="en-US" baseline="0" dirty="0" smtClean="0"/>
+              <a:t>.</a:t>
+            </a:r>
+            <a:endParaRPr lang="es-AR" dirty="0" smtClean="0"/>
+          </a:p>
+          <a:p>
+            <a:endParaRPr lang="es-AR" dirty="0"/>
+          </a:p>
+        </p:txBody>
+      </p:sp>
+      <p:sp>
+        <p:nvSpPr>
+          <p:cNvPr id="4" name="Slide Number Placeholder 3"/>
+          <p:cNvSpPr>
+            <a:spLocks noGrp="1"/>
+          </p:cNvSpPr>
+          <p:nvPr>
+            <p:ph type="sldNum" sz="quarter" idx="10"/>
+          </p:nvPr>
+        </p:nvSpPr>
+        <p:spPr/>
+        <p:txBody>
+          <a:bodyPr/>
+          <a:lstStyle/>
+          <a:p>
+            <a:fld id="{7D61118C-0B68-45A8-8791-420E0DB4DDEA}" type="slidenum">
+              <a:rPr lang="es-AR" smtClean="0"/>
+              <a:t>11</a:t>
+            </a:fld>
+            <a:endParaRPr lang="es-AR"/>
+          </a:p>
+        </p:txBody>
+      </p:sp>
+    </p:spTree>
+    <p:extLst>
+      <p:ext uri="{BB962C8B-B14F-4D97-AF65-F5344CB8AC3E}">
+        <p14:creationId xmlns:p14="http://schemas.microsoft.com/office/powerpoint/2010/main" val="3006675251"/>
+      </p:ext>
+    </p:extLst>
+  </p:cSld>
+  <p:clrMapOvr>
+    <a:masterClrMapping/>
+  </p:clrMapOvr>
+</p:notes>
+</file>
+
+<file path=ppt/notesSlides/notesSlide11.xml><?xml version="1.0" encoding="utf-8"?>
+<p:notes xmlns:a="http://schemas.openxmlformats.org/drawingml/2006/main" xmlns:r="http://schemas.openxmlformats.org/officeDocument/2006/relationships" xmlns:p="http://schemas.openxmlformats.org/presentationml/2006/main">
+  <p:cSld>
+    <p:spTree>
+      <p:nvGrpSpPr>
+        <p:cNvPr id="1" name=""/>
+        <p:cNvGrpSpPr/>
+        <p:nvPr/>
+      </p:nvGrpSpPr>
+      <p:grpSpPr>
+        <a:xfrm>
+          <a:off x="0" y="0"/>
+          <a:ext cx="0" cy="0"/>
+          <a:chOff x="0" y="0"/>
+          <a:chExt cx="0" cy="0"/>
+        </a:xfrm>
+      </p:grpSpPr>
+      <p:sp>
+        <p:nvSpPr>
+          <p:cNvPr id="2" name="Slide Image Placeholder 1"/>
+          <p:cNvSpPr>
+            <a:spLocks noGrp="1" noRot="1" noChangeAspect="1"/>
+          </p:cNvSpPr>
+          <p:nvPr>
+            <p:ph type="sldImg"/>
+          </p:nvPr>
+        </p:nvSpPr>
+        <p:spPr/>
+      </p:sp>
+      <p:sp>
+        <p:nvSpPr>
+          <p:cNvPr id="3" name="Notes Placeholder 2"/>
+          <p:cNvSpPr>
+            <a:spLocks noGrp="1"/>
+          </p:cNvSpPr>
+          <p:nvPr>
+            <p:ph type="body" idx="1"/>
+          </p:nvPr>
+        </p:nvSpPr>
+        <p:spPr/>
+        <p:txBody>
+          <a:bodyPr/>
+          <a:lstStyle/>
+          <a:p>
+            <a:r>
+              <a:rPr lang="en-US" dirty="0" err="1" smtClean="0"/>
+              <a:t>Declaramos</a:t>
+            </a:r>
+            <a:r>
+              <a:rPr lang="en-US" dirty="0" smtClean="0"/>
+              <a:t> el filter se la </a:t>
+            </a:r>
+            <a:r>
+              <a:rPr lang="en-US" dirty="0" err="1" smtClean="0"/>
+              <a:t>siguiente</a:t>
+            </a:r>
+            <a:r>
+              <a:rPr lang="en-US" dirty="0" smtClean="0"/>
+              <a:t> </a:t>
+            </a:r>
+            <a:r>
+              <a:rPr lang="en-US" dirty="0" err="1" smtClean="0"/>
+              <a:t>manera</a:t>
+            </a:r>
+            <a:r>
+              <a:rPr lang="en-US" dirty="0" smtClean="0"/>
+              <a:t>:</a:t>
+            </a:r>
+          </a:p>
+          <a:p>
+            <a:r>
+              <a:rPr lang="en-US" dirty="0" err="1" smtClean="0"/>
+              <a:t>Usamos</a:t>
+            </a:r>
+            <a:r>
+              <a:rPr lang="en-US" dirty="0" smtClean="0"/>
+              <a:t> la function filter para </a:t>
+            </a:r>
+            <a:r>
+              <a:rPr lang="en-US" dirty="0" err="1" smtClean="0"/>
+              <a:t>crear</a:t>
+            </a:r>
+            <a:r>
+              <a:rPr lang="en-US" dirty="0" smtClean="0"/>
+              <a:t> </a:t>
+            </a:r>
+            <a:r>
+              <a:rPr lang="en-US" dirty="0" err="1" smtClean="0"/>
+              <a:t>uno</a:t>
+            </a:r>
+            <a:r>
+              <a:rPr lang="en-US" dirty="0" smtClean="0"/>
+              <a:t> Nuevo.</a:t>
+            </a:r>
+          </a:p>
+          <a:p>
+            <a:r>
+              <a:rPr lang="en-US" dirty="0" smtClean="0"/>
+              <a:t>El primer</a:t>
+            </a:r>
+            <a:r>
+              <a:rPr lang="en-US" baseline="0" dirty="0" smtClean="0"/>
+              <a:t> </a:t>
+            </a:r>
+            <a:r>
+              <a:rPr lang="en-US" baseline="0" dirty="0" err="1" smtClean="0"/>
+              <a:t>parametro</a:t>
+            </a:r>
+            <a:r>
+              <a:rPr lang="en-US" baseline="0" dirty="0" smtClean="0"/>
+              <a:t> </a:t>
+            </a:r>
+            <a:r>
+              <a:rPr lang="en-US" baseline="0" dirty="0" err="1" smtClean="0"/>
+              <a:t>es</a:t>
+            </a:r>
+            <a:r>
+              <a:rPr lang="en-US" baseline="0" dirty="0" smtClean="0"/>
+              <a:t> el </a:t>
+            </a:r>
+            <a:r>
+              <a:rPr lang="en-US" baseline="0" dirty="0" err="1" smtClean="0"/>
+              <a:t>nombre</a:t>
+            </a:r>
+            <a:r>
+              <a:rPr lang="en-US" baseline="0" dirty="0" smtClean="0"/>
+              <a:t> del filter (</a:t>
+            </a:r>
+            <a:r>
+              <a:rPr lang="en-US" baseline="0" dirty="0" err="1" smtClean="0"/>
+              <a:t>que</a:t>
+            </a:r>
+            <a:r>
+              <a:rPr lang="en-US" baseline="0" dirty="0" smtClean="0"/>
+              <a:t> </a:t>
+            </a:r>
+            <a:r>
+              <a:rPr lang="en-US" baseline="0" dirty="0" err="1" smtClean="0"/>
+              <a:t>vamos</a:t>
+            </a:r>
+            <a:r>
+              <a:rPr lang="en-US" baseline="0" dirty="0" smtClean="0"/>
+              <a:t> a </a:t>
+            </a:r>
+            <a:r>
+              <a:rPr lang="en-US" baseline="0" dirty="0" err="1" smtClean="0"/>
+              <a:t>usar</a:t>
+            </a:r>
+            <a:r>
+              <a:rPr lang="en-US" baseline="0" dirty="0" smtClean="0"/>
+              <a:t> </a:t>
+            </a:r>
+            <a:r>
+              <a:rPr lang="en-US" baseline="0" dirty="0" err="1" smtClean="0"/>
+              <a:t>en</a:t>
+            </a:r>
+            <a:r>
+              <a:rPr lang="en-US" baseline="0" dirty="0" smtClean="0"/>
+              <a:t> el HTML)</a:t>
+            </a:r>
+          </a:p>
+          <a:p>
+            <a:r>
+              <a:rPr lang="en-US" dirty="0" err="1" smtClean="0"/>
+              <a:t>Luego</a:t>
+            </a:r>
+            <a:r>
+              <a:rPr lang="en-US" dirty="0" smtClean="0"/>
+              <a:t> </a:t>
+            </a:r>
+            <a:r>
+              <a:rPr lang="en-US" dirty="0" err="1" smtClean="0"/>
+              <a:t>tenemos</a:t>
+            </a:r>
+            <a:r>
+              <a:rPr lang="en-US" dirty="0" smtClean="0"/>
+              <a:t> la function </a:t>
+            </a:r>
+            <a:r>
+              <a:rPr lang="en-US" dirty="0" err="1" smtClean="0"/>
+              <a:t>que</a:t>
+            </a:r>
+            <a:r>
+              <a:rPr lang="en-US" dirty="0" smtClean="0"/>
+              <a:t> </a:t>
+            </a:r>
+            <a:r>
+              <a:rPr lang="en-US" dirty="0" err="1" smtClean="0"/>
+              <a:t>filtra</a:t>
+            </a:r>
+            <a:r>
+              <a:rPr lang="en-US" dirty="0" smtClean="0"/>
+              <a:t> </a:t>
+            </a:r>
+            <a:r>
+              <a:rPr lang="en-US" dirty="0" err="1" smtClean="0"/>
+              <a:t>en</a:t>
+            </a:r>
+            <a:r>
+              <a:rPr lang="en-US" dirty="0" smtClean="0"/>
+              <a:t> </a:t>
+            </a:r>
+            <a:r>
+              <a:rPr lang="en-US" dirty="0" err="1" smtClean="0"/>
+              <a:t>si</a:t>
+            </a:r>
+            <a:r>
+              <a:rPr lang="en-US" dirty="0" smtClean="0"/>
+              <a:t>.</a:t>
+            </a:r>
+          </a:p>
+          <a:p>
+            <a:r>
+              <a:rPr lang="en-US" dirty="0" err="1" smtClean="0"/>
+              <a:t>Recibe</a:t>
+            </a:r>
+            <a:r>
+              <a:rPr lang="en-US" baseline="0" dirty="0" smtClean="0"/>
+              <a:t> </a:t>
+            </a:r>
+            <a:r>
+              <a:rPr lang="en-US" baseline="0" dirty="0" err="1" smtClean="0"/>
+              <a:t>como</a:t>
+            </a:r>
+            <a:r>
+              <a:rPr lang="en-US" baseline="0" dirty="0" smtClean="0"/>
+              <a:t> </a:t>
+            </a:r>
+            <a:r>
+              <a:rPr lang="en-US" baseline="0" dirty="0" err="1" smtClean="0"/>
+              <a:t>parametro</a:t>
+            </a:r>
+            <a:r>
+              <a:rPr lang="en-US" baseline="0" dirty="0" smtClean="0"/>
+              <a:t> los </a:t>
+            </a:r>
+            <a:r>
+              <a:rPr lang="en-US" baseline="0" dirty="0" err="1" smtClean="0"/>
+              <a:t>elementos</a:t>
+            </a:r>
+            <a:r>
+              <a:rPr lang="en-US" baseline="0" dirty="0" smtClean="0"/>
+              <a:t> </a:t>
+            </a:r>
+            <a:r>
+              <a:rPr lang="en-US" baseline="0" dirty="0" err="1" smtClean="0"/>
+              <a:t>sobre</a:t>
+            </a:r>
+            <a:r>
+              <a:rPr lang="en-US" baseline="0" dirty="0" smtClean="0"/>
+              <a:t> el </a:t>
+            </a:r>
+            <a:r>
+              <a:rPr lang="en-US" baseline="0" dirty="0" err="1" smtClean="0"/>
+              <a:t>cual</a:t>
+            </a:r>
+            <a:r>
+              <a:rPr lang="en-US" baseline="0" dirty="0" smtClean="0"/>
+              <a:t> se </a:t>
+            </a:r>
+            <a:r>
+              <a:rPr lang="en-US" baseline="0" dirty="0" err="1" smtClean="0"/>
+              <a:t>aplica</a:t>
+            </a:r>
+            <a:r>
+              <a:rPr lang="en-US" baseline="0" dirty="0" smtClean="0"/>
+              <a:t> el filter.</a:t>
+            </a:r>
+          </a:p>
+          <a:p>
+            <a:r>
+              <a:rPr lang="en-US" baseline="0" dirty="0" err="1" smtClean="0"/>
+              <a:t>Devuelve</a:t>
+            </a:r>
+            <a:r>
+              <a:rPr lang="en-US" baseline="0" dirty="0" smtClean="0"/>
+              <a:t> </a:t>
+            </a:r>
+            <a:r>
+              <a:rPr lang="en-US" baseline="0" dirty="0" err="1" smtClean="0"/>
+              <a:t>una</a:t>
+            </a:r>
+            <a:r>
+              <a:rPr lang="en-US" baseline="0" dirty="0" smtClean="0"/>
+              <a:t> </a:t>
+            </a:r>
+            <a:r>
+              <a:rPr lang="en-US" baseline="0" dirty="0" err="1" smtClean="0"/>
+              <a:t>nueva</a:t>
+            </a:r>
+            <a:r>
+              <a:rPr lang="en-US" baseline="0" dirty="0" smtClean="0"/>
+              <a:t> </a:t>
+            </a:r>
+            <a:r>
+              <a:rPr lang="en-US" baseline="0" dirty="0" err="1" smtClean="0"/>
+              <a:t>coleccion</a:t>
+            </a:r>
+            <a:r>
+              <a:rPr lang="en-US" baseline="0" dirty="0" smtClean="0"/>
+              <a:t> con los </a:t>
+            </a:r>
+            <a:r>
+              <a:rPr lang="en-US" baseline="0" dirty="0" err="1" smtClean="0"/>
+              <a:t>elementos</a:t>
+            </a:r>
+            <a:r>
+              <a:rPr lang="en-US" baseline="0" dirty="0" smtClean="0"/>
+              <a:t> </a:t>
+            </a:r>
+            <a:r>
+              <a:rPr lang="en-US" baseline="0" dirty="0" err="1" smtClean="0"/>
+              <a:t>filtrados</a:t>
+            </a:r>
+            <a:r>
+              <a:rPr lang="en-US" baseline="0" dirty="0" smtClean="0"/>
+              <a:t>.</a:t>
+            </a:r>
+          </a:p>
+          <a:p>
+            <a:endParaRPr lang="es-AR" dirty="0" smtClean="0"/>
+          </a:p>
+          <a:p>
+            <a:endParaRPr lang="es-AR" dirty="0"/>
+          </a:p>
+        </p:txBody>
+      </p:sp>
+      <p:sp>
+        <p:nvSpPr>
+          <p:cNvPr id="4" name="Slide Number Placeholder 3"/>
+          <p:cNvSpPr>
+            <a:spLocks noGrp="1"/>
+          </p:cNvSpPr>
+          <p:nvPr>
+            <p:ph type="sldNum" sz="quarter" idx="10"/>
+          </p:nvPr>
+        </p:nvSpPr>
+        <p:spPr/>
+        <p:txBody>
+          <a:bodyPr/>
+          <a:lstStyle/>
+          <a:p>
+            <a:fld id="{7D61118C-0B68-45A8-8791-420E0DB4DDEA}" type="slidenum">
+              <a:rPr lang="es-AR" smtClean="0"/>
+              <a:t>12</a:t>
+            </a:fld>
+            <a:endParaRPr lang="es-AR"/>
+          </a:p>
+        </p:txBody>
+      </p:sp>
+    </p:spTree>
+    <p:extLst>
+      <p:ext uri="{BB962C8B-B14F-4D97-AF65-F5344CB8AC3E}">
+        <p14:creationId xmlns:p14="http://schemas.microsoft.com/office/powerpoint/2010/main" val="715314723"/>
+      </p:ext>
+    </p:extLst>
+  </p:cSld>
+  <p:clrMapOvr>
+    <a:masterClrMapping/>
+  </p:clrMapOvr>
+</p:notes>
+</file>
+
+<file path=ppt/notesSlides/notesSlide12.xml><?xml version="1.0" encoding="utf-8"?>
+<p:notes xmlns:a="http://schemas.openxmlformats.org/drawingml/2006/main" xmlns:r="http://schemas.openxmlformats.org/officeDocument/2006/relationships" xmlns:p="http://schemas.openxmlformats.org/presentationml/2006/main">
+  <p:cSld>
+    <p:spTree>
+      <p:nvGrpSpPr>
+        <p:cNvPr id="1" name=""/>
+        <p:cNvGrpSpPr/>
+        <p:nvPr/>
+      </p:nvGrpSpPr>
+      <p:grpSpPr>
+        <a:xfrm>
+          <a:off x="0" y="0"/>
+          <a:ext cx="0" cy="0"/>
+          <a:chOff x="0" y="0"/>
+          <a:chExt cx="0" cy="0"/>
+        </a:xfrm>
+      </p:grpSpPr>
+      <p:sp>
+        <p:nvSpPr>
+          <p:cNvPr id="2" name="Slide Image Placeholder 1"/>
+          <p:cNvSpPr>
+            <a:spLocks noGrp="1" noRot="1" noChangeAspect="1"/>
+          </p:cNvSpPr>
+          <p:nvPr>
+            <p:ph type="sldImg"/>
+          </p:nvPr>
+        </p:nvSpPr>
+        <p:spPr/>
+      </p:sp>
+      <p:sp>
+        <p:nvSpPr>
+          <p:cNvPr id="3" name="Notes Placeholder 2"/>
+          <p:cNvSpPr>
+            <a:spLocks noGrp="1"/>
+          </p:cNvSpPr>
+          <p:nvPr>
+            <p:ph type="body" idx="1"/>
+          </p:nvPr>
+        </p:nvSpPr>
+        <p:spPr/>
+        <p:txBody>
+          <a:bodyPr/>
+          <a:lstStyle/>
+          <a:p>
+            <a:r>
+              <a:rPr lang="en-US" dirty="0" err="1" smtClean="0"/>
+              <a:t>En</a:t>
+            </a:r>
+            <a:r>
+              <a:rPr lang="en-US" dirty="0" smtClean="0"/>
+              <a:t> </a:t>
+            </a:r>
+            <a:r>
+              <a:rPr lang="en-US" dirty="0" err="1" smtClean="0"/>
+              <a:t>este</a:t>
+            </a:r>
+            <a:r>
+              <a:rPr lang="en-US" dirty="0" smtClean="0"/>
+              <a:t> </a:t>
+            </a:r>
+            <a:r>
+              <a:rPr lang="en-US" dirty="0" err="1" smtClean="0"/>
+              <a:t>ejemplo</a:t>
+            </a:r>
+            <a:r>
+              <a:rPr lang="en-US" dirty="0" smtClean="0"/>
+              <a:t> </a:t>
+            </a:r>
+            <a:r>
+              <a:rPr lang="en-US" dirty="0" err="1" smtClean="0"/>
+              <a:t>obtenemos</a:t>
+            </a:r>
+            <a:r>
+              <a:rPr lang="en-US" baseline="0" dirty="0" smtClean="0"/>
+              <a:t> </a:t>
+            </a:r>
+            <a:r>
+              <a:rPr lang="en-US" baseline="0" dirty="0" err="1" smtClean="0"/>
+              <a:t>por</a:t>
+            </a:r>
+            <a:r>
+              <a:rPr lang="en-US" baseline="0" dirty="0" smtClean="0"/>
+              <a:t> </a:t>
+            </a:r>
+            <a:r>
+              <a:rPr lang="en-US" baseline="0" dirty="0" err="1" smtClean="0"/>
+              <a:t>parametro</a:t>
+            </a:r>
+            <a:r>
+              <a:rPr lang="en-US" baseline="0" dirty="0" smtClean="0"/>
+              <a:t> los </a:t>
+            </a:r>
+            <a:r>
+              <a:rPr lang="en-US" baseline="0" dirty="0" err="1" smtClean="0"/>
+              <a:t>libros</a:t>
+            </a:r>
+            <a:r>
+              <a:rPr lang="en-US" baseline="0" dirty="0" smtClean="0"/>
+              <a:t> y el </a:t>
+            </a:r>
+            <a:r>
+              <a:rPr lang="en-US" baseline="0" dirty="0" err="1" smtClean="0"/>
+              <a:t>pais</a:t>
+            </a:r>
+            <a:r>
+              <a:rPr lang="en-US" baseline="0" dirty="0" smtClean="0"/>
+              <a:t> </a:t>
+            </a:r>
+            <a:r>
+              <a:rPr lang="en-US" baseline="0" dirty="0" err="1" smtClean="0"/>
+              <a:t>que</a:t>
+            </a:r>
+            <a:r>
+              <a:rPr lang="en-US" baseline="0" dirty="0" smtClean="0"/>
+              <a:t> </a:t>
+            </a:r>
+            <a:r>
+              <a:rPr lang="en-US" baseline="0" dirty="0" err="1" smtClean="0"/>
+              <a:t>pasamos</a:t>
+            </a:r>
+            <a:r>
+              <a:rPr lang="en-US" baseline="0" dirty="0" smtClean="0"/>
+              <a:t> </a:t>
+            </a:r>
+            <a:r>
+              <a:rPr lang="en-US" baseline="0" dirty="0" err="1" smtClean="0"/>
+              <a:t>por</a:t>
+            </a:r>
+            <a:r>
+              <a:rPr lang="en-US" baseline="0" dirty="0" smtClean="0"/>
+              <a:t> </a:t>
+            </a:r>
+            <a:r>
+              <a:rPr lang="en-US" baseline="0" dirty="0" err="1" smtClean="0"/>
+              <a:t>parametro</a:t>
+            </a:r>
+            <a:r>
+              <a:rPr lang="en-US" baseline="0" dirty="0" smtClean="0"/>
+              <a:t> al filter.</a:t>
+            </a:r>
+          </a:p>
+          <a:p>
+            <a:r>
+              <a:rPr lang="en-US" baseline="0" dirty="0" err="1" smtClean="0"/>
+              <a:t>Segun</a:t>
+            </a:r>
+            <a:r>
+              <a:rPr lang="en-US" baseline="0" dirty="0" smtClean="0"/>
+              <a:t> la </a:t>
+            </a:r>
+            <a:r>
+              <a:rPr lang="en-US" baseline="0" dirty="0" err="1" smtClean="0"/>
+              <a:t>condicion</a:t>
+            </a:r>
+            <a:r>
+              <a:rPr lang="en-US" baseline="0" dirty="0" smtClean="0"/>
+              <a:t> de el </a:t>
+            </a:r>
+            <a:r>
+              <a:rPr lang="en-US" baseline="0" dirty="0" err="1" smtClean="0"/>
+              <a:t>pais</a:t>
+            </a:r>
+            <a:r>
+              <a:rPr lang="en-US" baseline="0" dirty="0" smtClean="0"/>
+              <a:t> </a:t>
+            </a:r>
+            <a:r>
+              <a:rPr lang="en-US" baseline="0" dirty="0" err="1" smtClean="0"/>
+              <a:t>agregamos</a:t>
+            </a:r>
+            <a:r>
+              <a:rPr lang="en-US" baseline="0" dirty="0" smtClean="0"/>
+              <a:t> o no el </a:t>
+            </a:r>
+            <a:r>
+              <a:rPr lang="en-US" baseline="0" dirty="0" err="1" smtClean="0"/>
+              <a:t>libro</a:t>
+            </a:r>
+            <a:r>
+              <a:rPr lang="en-US" baseline="0" dirty="0" smtClean="0"/>
+              <a:t> a la </a:t>
+            </a:r>
+            <a:r>
+              <a:rPr lang="en-US" baseline="0" dirty="0" err="1" smtClean="0"/>
+              <a:t>coleccion</a:t>
+            </a:r>
+            <a:r>
+              <a:rPr lang="en-US" baseline="0" dirty="0" smtClean="0"/>
+              <a:t> </a:t>
+            </a:r>
+            <a:r>
+              <a:rPr lang="en-US" baseline="0" dirty="0" err="1" smtClean="0"/>
+              <a:t>resultante</a:t>
+            </a:r>
+            <a:endParaRPr lang="es-AR" dirty="0" smtClean="0"/>
+          </a:p>
+          <a:p>
+            <a:endParaRPr lang="es-AR" dirty="0"/>
+          </a:p>
+        </p:txBody>
+      </p:sp>
+      <p:sp>
+        <p:nvSpPr>
+          <p:cNvPr id="4" name="Slide Number Placeholder 3"/>
+          <p:cNvSpPr>
+            <a:spLocks noGrp="1"/>
+          </p:cNvSpPr>
+          <p:nvPr>
+            <p:ph type="sldNum" sz="quarter" idx="10"/>
+          </p:nvPr>
+        </p:nvSpPr>
+        <p:spPr/>
+        <p:txBody>
+          <a:bodyPr/>
+          <a:lstStyle/>
+          <a:p>
+            <a:fld id="{7D61118C-0B68-45A8-8791-420E0DB4DDEA}" type="slidenum">
+              <a:rPr lang="es-AR" smtClean="0"/>
+              <a:t>13</a:t>
+            </a:fld>
+            <a:endParaRPr lang="es-AR"/>
+          </a:p>
+        </p:txBody>
+      </p:sp>
+    </p:spTree>
+    <p:extLst>
+      <p:ext uri="{BB962C8B-B14F-4D97-AF65-F5344CB8AC3E}">
+        <p14:creationId xmlns:p14="http://schemas.microsoft.com/office/powerpoint/2010/main" val="2188523603"/>
+      </p:ext>
+    </p:extLst>
+  </p:cSld>
+  <p:clrMapOvr>
+    <a:masterClrMapping/>
+  </p:clrMapOvr>
+</p:notes>
+</file>
+
+<file path=ppt/notesSlides/notesSlide13.xml><?xml version="1.0" encoding="utf-8"?>
+<p:notes xmlns:a="http://schemas.openxmlformats.org/drawingml/2006/main" xmlns:r="http://schemas.openxmlformats.org/officeDocument/2006/relationships" xmlns:p="http://schemas.openxmlformats.org/presentationml/2006/main">
+  <p:cSld>
+    <p:spTree>
+      <p:nvGrpSpPr>
+        <p:cNvPr id="1" name=""/>
+        <p:cNvGrpSpPr/>
+        <p:nvPr/>
+      </p:nvGrpSpPr>
+      <p:grpSpPr>
+        <a:xfrm>
+          <a:off x="0" y="0"/>
+          <a:ext cx="0" cy="0"/>
+          <a:chOff x="0" y="0"/>
+          <a:chExt cx="0" cy="0"/>
+        </a:xfrm>
+      </p:grpSpPr>
+      <p:sp>
+        <p:nvSpPr>
+          <p:cNvPr id="2" name="Slide Image Placeholder 1"/>
+          <p:cNvSpPr>
+            <a:spLocks noGrp="1" noRot="1" noChangeAspect="1"/>
+          </p:cNvSpPr>
+          <p:nvPr>
+            <p:ph type="sldImg"/>
+          </p:nvPr>
+        </p:nvSpPr>
+        <p:spPr/>
+      </p:sp>
+      <p:sp>
+        <p:nvSpPr>
+          <p:cNvPr id="3" name="Notes Placeholder 2"/>
+          <p:cNvSpPr>
+            <a:spLocks noGrp="1"/>
+          </p:cNvSpPr>
+          <p:nvPr>
+            <p:ph type="body" idx="1"/>
+          </p:nvPr>
+        </p:nvSpPr>
+        <p:spPr/>
+        <p:txBody>
+          <a:bodyPr/>
+          <a:lstStyle/>
+          <a:p>
+            <a:r>
+              <a:rPr lang="es-AR" sz="1200" dirty="0" smtClean="0"/>
+              <a:t>Punto 2: Baja el acoplamiento -&gt; simplifica el </a:t>
+            </a:r>
+            <a:r>
+              <a:rPr lang="es-AR" sz="1200" dirty="0" err="1" smtClean="0"/>
+              <a:t>testing</a:t>
+            </a:r>
+            <a:r>
+              <a:rPr lang="es-AR" sz="1200" dirty="0" smtClean="0"/>
+              <a:t>. Alta cohesión.</a:t>
+            </a:r>
+          </a:p>
+          <a:p>
+            <a:r>
+              <a:rPr lang="en-US" dirty="0" smtClean="0"/>
+              <a:t>Punto</a:t>
+            </a:r>
+            <a:r>
+              <a:rPr lang="en-US" baseline="0" dirty="0" smtClean="0"/>
+              <a:t> 3: O</a:t>
+            </a:r>
+            <a:r>
+              <a:rPr lang="es-AR" sz="1200" dirty="0" err="1" smtClean="0"/>
+              <a:t>yeron</a:t>
+            </a:r>
+            <a:r>
+              <a:rPr lang="es-AR" sz="1200" dirty="0" smtClean="0"/>
+              <a:t> hablar de </a:t>
+            </a:r>
+            <a:r>
+              <a:rPr lang="es-AR" sz="1200" dirty="0" err="1" smtClean="0"/>
+              <a:t>polymer</a:t>
+            </a:r>
+            <a:r>
+              <a:rPr lang="es-AR" sz="1200" dirty="0" smtClean="0"/>
+              <a:t>? Shadow DOM?</a:t>
+            </a:r>
+            <a:endParaRPr lang="es-AR" dirty="0" smtClean="0"/>
+          </a:p>
+          <a:p>
+            <a:endParaRPr lang="es-AR" dirty="0"/>
+          </a:p>
+        </p:txBody>
+      </p:sp>
+      <p:sp>
+        <p:nvSpPr>
+          <p:cNvPr id="4" name="Slide Number Placeholder 3"/>
+          <p:cNvSpPr>
+            <a:spLocks noGrp="1"/>
+          </p:cNvSpPr>
+          <p:nvPr>
+            <p:ph type="sldNum" sz="quarter" idx="10"/>
+          </p:nvPr>
+        </p:nvSpPr>
+        <p:spPr/>
+        <p:txBody>
+          <a:bodyPr/>
+          <a:lstStyle/>
+          <a:p>
+            <a:fld id="{7D61118C-0B68-45A8-8791-420E0DB4DDEA}" type="slidenum">
+              <a:rPr lang="es-AR" smtClean="0"/>
+              <a:t>15</a:t>
+            </a:fld>
+            <a:endParaRPr lang="es-AR"/>
+          </a:p>
+        </p:txBody>
+      </p:sp>
+    </p:spTree>
+    <p:extLst>
+      <p:ext uri="{BB962C8B-B14F-4D97-AF65-F5344CB8AC3E}">
+        <p14:creationId xmlns:p14="http://schemas.microsoft.com/office/powerpoint/2010/main" val="1420754446"/>
+      </p:ext>
+    </p:extLst>
+  </p:cSld>
+  <p:clrMapOvr>
+    <a:masterClrMapping/>
+  </p:clrMapOvr>
+</p:notes>
+</file>
+
+<file path=ppt/notesSlides/notesSlide14.xml><?xml version="1.0" encoding="utf-8"?>
+<p:notes xmlns:a="http://schemas.openxmlformats.org/drawingml/2006/main" xmlns:r="http://schemas.openxmlformats.org/officeDocument/2006/relationships" xmlns:p="http://schemas.openxmlformats.org/presentationml/2006/main">
+  <p:cSld>
+    <p:spTree>
+      <p:nvGrpSpPr>
+        <p:cNvPr id="1" name=""/>
+        <p:cNvGrpSpPr/>
+        <p:nvPr/>
+      </p:nvGrpSpPr>
+      <p:grpSpPr>
+        <a:xfrm>
+          <a:off x="0" y="0"/>
+          <a:ext cx="0" cy="0"/>
+          <a:chOff x="0" y="0"/>
+          <a:chExt cx="0" cy="0"/>
+        </a:xfrm>
+      </p:grpSpPr>
+      <p:sp>
+        <p:nvSpPr>
+          <p:cNvPr id="2" name="Slide Image Placeholder 1"/>
+          <p:cNvSpPr>
+            <a:spLocks noGrp="1" noRot="1" noChangeAspect="1"/>
+          </p:cNvSpPr>
+          <p:nvPr>
+            <p:ph type="sldImg"/>
+          </p:nvPr>
+        </p:nvSpPr>
+        <p:spPr/>
+      </p:sp>
+      <p:sp>
+        <p:nvSpPr>
+          <p:cNvPr id="3" name="Notes Placeholder 2"/>
+          <p:cNvSpPr>
+            <a:spLocks noGrp="1"/>
+          </p:cNvSpPr>
+          <p:nvPr>
+            <p:ph type="body" idx="1"/>
+          </p:nvPr>
+        </p:nvSpPr>
+        <p:spPr/>
+        <p:txBody>
+          <a:bodyPr/>
+          <a:lstStyle/>
+          <a:p>
+            <a:pPr marL="0" marR="0" indent="0" algn="l" defTabSz="914400" rtl="0" eaLnBrk="1" fontAlgn="auto" latinLnBrk="0" hangingPunct="1">
+              <a:lnSpc>
+                <a:spcPct val="100000"/>
+              </a:lnSpc>
+              <a:spcBef>
+                <a:spcPts val="0"/>
+              </a:spcBef>
+              <a:spcAft>
+                <a:spcPts val="0"/>
+              </a:spcAft>
+              <a:buClrTx/>
+              <a:buSzTx/>
+              <a:buFontTx/>
+              <a:buNone/>
+              <a:tabLst/>
+              <a:defRPr/>
+            </a:pPr>
+            <a:r>
+              <a:rPr lang="en-US" dirty="0" err="1" smtClean="0"/>
+              <a:t>Imagen</a:t>
+            </a:r>
+            <a:r>
+              <a:rPr lang="en-US" dirty="0" smtClean="0"/>
+              <a:t> </a:t>
+            </a:r>
+            <a:r>
+              <a:rPr lang="en-US" dirty="0" err="1" smtClean="0"/>
+              <a:t>intimidante</a:t>
+            </a:r>
+            <a:r>
+              <a:rPr lang="en-US" dirty="0" smtClean="0"/>
+              <a:t>.</a:t>
+            </a:r>
+            <a:r>
+              <a:rPr lang="en-US" baseline="0" dirty="0" smtClean="0"/>
+              <a:t> </a:t>
+            </a:r>
+            <a:r>
+              <a:rPr lang="en-US" dirty="0" err="1" smtClean="0"/>
+              <a:t>Parece</a:t>
+            </a:r>
+            <a:r>
+              <a:rPr lang="en-US" dirty="0" smtClean="0"/>
+              <a:t> </a:t>
+            </a:r>
+            <a:r>
+              <a:rPr lang="en-US" dirty="0" err="1" smtClean="0"/>
+              <a:t>bastante</a:t>
+            </a:r>
+            <a:r>
+              <a:rPr lang="en-US" dirty="0" smtClean="0"/>
+              <a:t> </a:t>
+            </a:r>
+            <a:r>
+              <a:rPr lang="en-US" dirty="0" err="1" smtClean="0"/>
+              <a:t>dificil</a:t>
+            </a:r>
+            <a:r>
+              <a:rPr lang="en-US" dirty="0" smtClean="0"/>
+              <a:t>, </a:t>
+            </a:r>
+            <a:r>
+              <a:rPr lang="en-US" dirty="0" err="1" smtClean="0"/>
+              <a:t>pero</a:t>
+            </a:r>
+            <a:r>
+              <a:rPr lang="en-US" dirty="0" smtClean="0"/>
+              <a:t> no lo </a:t>
+            </a:r>
+            <a:r>
+              <a:rPr lang="en-US" dirty="0" err="1" smtClean="0"/>
+              <a:t>es</a:t>
+            </a:r>
+            <a:r>
+              <a:rPr lang="en-US" baseline="0" dirty="0" smtClean="0"/>
+              <a:t> </a:t>
+            </a:r>
+            <a:r>
+              <a:rPr lang="en-US" baseline="0" dirty="0" err="1" smtClean="0"/>
+              <a:t>tanto</a:t>
+            </a:r>
+            <a:r>
+              <a:rPr lang="en-US" baseline="0" dirty="0" smtClean="0"/>
+              <a:t>.</a:t>
+            </a:r>
+            <a:endParaRPr lang="es-AR" dirty="0" smtClean="0"/>
+          </a:p>
+          <a:p>
+            <a:endParaRPr lang="es-AR" dirty="0"/>
+          </a:p>
+        </p:txBody>
+      </p:sp>
+      <p:sp>
+        <p:nvSpPr>
+          <p:cNvPr id="4" name="Slide Number Placeholder 3"/>
+          <p:cNvSpPr>
+            <a:spLocks noGrp="1"/>
+          </p:cNvSpPr>
+          <p:nvPr>
+            <p:ph type="sldNum" sz="quarter" idx="10"/>
+          </p:nvPr>
+        </p:nvSpPr>
+        <p:spPr/>
+        <p:txBody>
+          <a:bodyPr/>
+          <a:lstStyle/>
+          <a:p>
+            <a:fld id="{7D61118C-0B68-45A8-8791-420E0DB4DDEA}" type="slidenum">
+              <a:rPr lang="es-AR" smtClean="0"/>
+              <a:t>16</a:t>
+            </a:fld>
+            <a:endParaRPr lang="es-AR"/>
+          </a:p>
+        </p:txBody>
+      </p:sp>
+    </p:spTree>
+    <p:extLst>
+      <p:ext uri="{BB962C8B-B14F-4D97-AF65-F5344CB8AC3E}">
+        <p14:creationId xmlns:p14="http://schemas.microsoft.com/office/powerpoint/2010/main" val="3000315259"/>
+      </p:ext>
+    </p:extLst>
+  </p:cSld>
+  <p:clrMapOvr>
+    <a:masterClrMapping/>
+  </p:clrMapOvr>
+</p:notes>
+</file>
+
+<file path=ppt/notesSlides/notesSlide15.xml><?xml version="1.0" encoding="utf-8"?>
+<p:notes xmlns:a="http://schemas.openxmlformats.org/drawingml/2006/main" xmlns:r="http://schemas.openxmlformats.org/officeDocument/2006/relationships" xmlns:p="http://schemas.openxmlformats.org/presentationml/2006/main">
+  <p:cSld>
+    <p:spTree>
+      <p:nvGrpSpPr>
+        <p:cNvPr id="1" name=""/>
+        <p:cNvGrpSpPr/>
+        <p:nvPr/>
+      </p:nvGrpSpPr>
+      <p:grpSpPr>
+        <a:xfrm>
+          <a:off x="0" y="0"/>
+          <a:ext cx="0" cy="0"/>
+          <a:chOff x="0" y="0"/>
+          <a:chExt cx="0" cy="0"/>
+        </a:xfrm>
+      </p:grpSpPr>
+      <p:sp>
+        <p:nvSpPr>
+          <p:cNvPr id="2" name="Slide Image Placeholder 1"/>
+          <p:cNvSpPr>
+            <a:spLocks noGrp="1" noRot="1" noChangeAspect="1"/>
+          </p:cNvSpPr>
+          <p:nvPr>
+            <p:ph type="sldImg"/>
+          </p:nvPr>
+        </p:nvSpPr>
+        <p:spPr/>
+      </p:sp>
+      <p:sp>
+        <p:nvSpPr>
+          <p:cNvPr id="3" name="Notes Placeholder 2"/>
+          <p:cNvSpPr>
+            <a:spLocks noGrp="1"/>
+          </p:cNvSpPr>
+          <p:nvPr>
+            <p:ph type="body" idx="1"/>
+          </p:nvPr>
+        </p:nvSpPr>
+        <p:spPr/>
+        <p:txBody>
+          <a:bodyPr/>
+          <a:lstStyle/>
+          <a:p>
+            <a:r>
+              <a:rPr lang="es-AR" dirty="0" smtClean="0"/>
+              <a:t>En</a:t>
+            </a:r>
+            <a:r>
+              <a:rPr lang="es-AR" baseline="0" dirty="0" smtClean="0"/>
+              <a:t> </a:t>
+            </a:r>
+            <a:r>
+              <a:rPr lang="es-AR" baseline="0" dirty="0" err="1" smtClean="0"/>
+              <a:t>template</a:t>
+            </a:r>
+            <a:r>
+              <a:rPr lang="es-AR" baseline="0" dirty="0" smtClean="0"/>
+              <a:t> ponemos el HTML que va a generar la directiva cuando sea compilada, mientras que </a:t>
+            </a:r>
+            <a:r>
+              <a:rPr lang="es-AR" baseline="0" dirty="0" err="1" smtClean="0"/>
+              <a:t>templateUrl</a:t>
+            </a:r>
+            <a:r>
+              <a:rPr lang="es-AR" baseline="0" dirty="0" smtClean="0"/>
+              <a:t> toma la ruta en donde se encuentra definido el HTML. Es destacable el hecho de que en este </a:t>
+            </a:r>
+            <a:r>
+              <a:rPr lang="es-AR" baseline="0" dirty="0" err="1" smtClean="0"/>
+              <a:t>template</a:t>
+            </a:r>
+            <a:r>
+              <a:rPr lang="es-AR" baseline="0" dirty="0" smtClean="0"/>
+              <a:t> se pueda utilizar directivas ya definidas. El $</a:t>
+            </a:r>
+            <a:r>
+              <a:rPr lang="es-AR" baseline="0" dirty="0" err="1" smtClean="0"/>
+              <a:t>compiler</a:t>
+            </a:r>
+            <a:r>
+              <a:rPr lang="es-AR" baseline="0" dirty="0" smtClean="0"/>
+              <a:t> de </a:t>
+            </a:r>
+            <a:r>
+              <a:rPr lang="es-AR" baseline="0" dirty="0" err="1" smtClean="0"/>
+              <a:t>angularjs</a:t>
+            </a:r>
+            <a:r>
+              <a:rPr lang="es-AR" baseline="0" dirty="0" smtClean="0"/>
+              <a:t> lo compilará tomando el </a:t>
+            </a:r>
+            <a:r>
+              <a:rPr lang="es-AR" baseline="0" dirty="0" err="1" smtClean="0"/>
+              <a:t>scope</a:t>
+            </a:r>
+            <a:r>
+              <a:rPr lang="es-AR" baseline="0" dirty="0" smtClean="0"/>
+              <a:t> que tiene definida la directiva.</a:t>
+            </a:r>
+          </a:p>
+          <a:p>
+            <a:endParaRPr lang="es-AR" baseline="0" dirty="0" smtClean="0"/>
+          </a:p>
+          <a:p>
+            <a:r>
+              <a:rPr lang="es-AR" baseline="0" dirty="0" err="1" smtClean="0"/>
+              <a:t>Replace</a:t>
+            </a:r>
+            <a:r>
+              <a:rPr lang="es-AR" baseline="0" dirty="0" smtClean="0"/>
+              <a:t> indica si se va a reemplazar el HTML de la directiva o si se va a insertar como contenido.</a:t>
+            </a:r>
+          </a:p>
+          <a:p>
+            <a:endParaRPr lang="es-AR" baseline="0" dirty="0" smtClean="0"/>
+          </a:p>
+          <a:p>
+            <a:r>
+              <a:rPr lang="es-AR" baseline="0" dirty="0" err="1" smtClean="0"/>
+              <a:t>Restrict</a:t>
+            </a:r>
+            <a:r>
+              <a:rPr lang="es-AR" baseline="0" dirty="0" smtClean="0"/>
+              <a:t> indica si la directiva es un elemento, un atributo, una clase o un comentario. Por favor nada de usar comentarios y respecto a las clases habría que ver el caso particular.</a:t>
+            </a:r>
+          </a:p>
+          <a:p>
+            <a:endParaRPr lang="es-AR" baseline="0" dirty="0" smtClean="0"/>
+          </a:p>
+          <a:p>
+            <a:r>
+              <a:rPr lang="es-MX" baseline="0" dirty="0" err="1" smtClean="0"/>
+              <a:t>Scope</a:t>
+            </a:r>
+            <a:r>
+              <a:rPr lang="es-MX" baseline="0" dirty="0" smtClean="0"/>
+              <a:t> es el pegamento con el que unimos el </a:t>
+            </a:r>
+            <a:r>
+              <a:rPr lang="es-MX" baseline="0" dirty="0" err="1" smtClean="0"/>
+              <a:t>controller</a:t>
+            </a:r>
+            <a:r>
+              <a:rPr lang="es-MX" baseline="0" dirty="0" smtClean="0"/>
+              <a:t> padre, la directiva y el </a:t>
+            </a:r>
+            <a:r>
+              <a:rPr lang="es-MX" baseline="0" dirty="0" err="1" smtClean="0"/>
+              <a:t>template</a:t>
+            </a:r>
+            <a:r>
+              <a:rPr lang="es-MX" baseline="0" dirty="0" smtClean="0"/>
+              <a:t> de la directiva (canal de comunicación), existen 3 tipos:</a:t>
+            </a:r>
+          </a:p>
+          <a:p>
+            <a:r>
+              <a:rPr lang="es-MX" baseline="0" dirty="0" smtClean="0"/>
+              <a:t>  False: Opción por default no crea ningún </a:t>
+            </a:r>
+            <a:r>
+              <a:rPr lang="es-MX" baseline="0" dirty="0" err="1" smtClean="0"/>
+              <a:t>scope</a:t>
+            </a:r>
+            <a:r>
+              <a:rPr lang="es-MX" baseline="0" dirty="0" smtClean="0"/>
+              <a:t>, toma el </a:t>
+            </a:r>
+            <a:r>
+              <a:rPr lang="es-MX" baseline="0" dirty="0" err="1" smtClean="0"/>
+              <a:t>scope</a:t>
+            </a:r>
+            <a:r>
+              <a:rPr lang="es-MX" baseline="0" dirty="0" smtClean="0"/>
+              <a:t> padre (el que está definido para esa porción de HTML).</a:t>
+            </a:r>
+          </a:p>
+          <a:p>
+            <a:r>
+              <a:rPr lang="es-MX" baseline="0" dirty="0" smtClean="0"/>
+              <a:t>  Casos de uso: Si la directiva no accede/</a:t>
+            </a:r>
+            <a:r>
+              <a:rPr lang="es-MX" baseline="0" dirty="0" err="1" smtClean="0"/>
+              <a:t>setea</a:t>
+            </a:r>
+            <a:r>
+              <a:rPr lang="es-MX" baseline="0" dirty="0" smtClean="0"/>
+              <a:t> ninguna variable del </a:t>
+            </a:r>
+            <a:r>
+              <a:rPr lang="es-MX" baseline="0" dirty="0" err="1" smtClean="0"/>
+              <a:t>scope</a:t>
+            </a:r>
+            <a:r>
+              <a:rPr lang="es-MX" baseline="0" dirty="0" smtClean="0"/>
+              <a:t> o bien sea una directiva hija que es usada en el contexto de una directiva padre. Probablemente esté haciendo algo que no tenga que ver con </a:t>
+            </a:r>
+            <a:r>
+              <a:rPr lang="es-MX" baseline="0" dirty="0" err="1" smtClean="0"/>
+              <a:t>scope</a:t>
+            </a:r>
+            <a:r>
+              <a:rPr lang="es-MX" baseline="0" dirty="0" smtClean="0"/>
+              <a:t>, utilizando </a:t>
+            </a:r>
+            <a:r>
+              <a:rPr lang="es-MX" baseline="0" dirty="0" err="1" smtClean="0"/>
+              <a:t>algun</a:t>
+            </a:r>
+            <a:r>
+              <a:rPr lang="es-MX" baseline="0" dirty="0" smtClean="0"/>
+              <a:t> </a:t>
+            </a:r>
+            <a:r>
+              <a:rPr lang="es-MX" baseline="0" dirty="0" err="1" smtClean="0"/>
+              <a:t>plugin</a:t>
+            </a:r>
+            <a:r>
+              <a:rPr lang="es-MX" baseline="0" dirty="0" smtClean="0"/>
+              <a:t> de </a:t>
+            </a:r>
+            <a:r>
+              <a:rPr lang="es-MX" baseline="0" dirty="0" err="1" smtClean="0"/>
+              <a:t>jquery</a:t>
+            </a:r>
+            <a:r>
+              <a:rPr lang="es-MX" baseline="0" dirty="0" smtClean="0"/>
+              <a:t> por ejemplo.</a:t>
+            </a:r>
+          </a:p>
+          <a:p>
+            <a:endParaRPr lang="es-MX" baseline="0" dirty="0" smtClean="0"/>
+          </a:p>
+          <a:p>
+            <a:r>
+              <a:rPr lang="es-MX" baseline="0" dirty="0" smtClean="0"/>
+              <a:t>  True:  Crea un nuevo </a:t>
+            </a:r>
+            <a:r>
+              <a:rPr lang="es-MX" baseline="0" dirty="0" err="1" smtClean="0"/>
+              <a:t>scope</a:t>
+            </a:r>
+            <a:r>
+              <a:rPr lang="es-MX" baseline="0" dirty="0" smtClean="0"/>
+              <a:t> que hereda del padre de forma </a:t>
+            </a:r>
+            <a:r>
+              <a:rPr lang="es-MX" baseline="0" dirty="0" err="1" smtClean="0"/>
+              <a:t>prototipada</a:t>
+            </a:r>
+            <a:r>
+              <a:rPr lang="es-MX" baseline="0" dirty="0" smtClean="0"/>
+              <a:t> en donde pueda crear variables y métodos que no son relevantes fuera de la directiva (</a:t>
+            </a:r>
+            <a:r>
+              <a:rPr lang="es-MX" baseline="0" dirty="0" err="1" smtClean="0"/>
+              <a:t>scope</a:t>
+            </a:r>
+            <a:r>
+              <a:rPr lang="es-MX" baseline="0" dirty="0" smtClean="0"/>
+              <a:t> hermanos y padres), si directivas hijas con </a:t>
+            </a:r>
+            <a:r>
+              <a:rPr lang="es-MX" baseline="0" dirty="0" err="1" smtClean="0"/>
+              <a:t>scope:true</a:t>
+            </a:r>
+            <a:r>
+              <a:rPr lang="es-MX" baseline="0" dirty="0" smtClean="0"/>
+              <a:t>. (Esto es para una clase aparte, no lo vamos a usar por el momento.)</a:t>
+            </a:r>
+          </a:p>
+          <a:p>
+            <a:endParaRPr lang="es-MX" baseline="0" dirty="0" smtClean="0"/>
+          </a:p>
+          <a:p>
+            <a:r>
+              <a:rPr lang="es-MX" baseline="0" dirty="0" smtClean="0"/>
+              <a:t>  </a:t>
+            </a:r>
+            <a:r>
+              <a:rPr lang="es-MX" baseline="0" dirty="0" err="1" smtClean="0"/>
+              <a:t>Isolate</a:t>
+            </a:r>
+            <a:r>
+              <a:rPr lang="es-MX" baseline="0" dirty="0" smtClean="0"/>
+              <a:t>: Crea un nuevo </a:t>
+            </a:r>
+            <a:r>
+              <a:rPr lang="es-MX" baseline="0" dirty="0" err="1" smtClean="0"/>
+              <a:t>scope</a:t>
+            </a:r>
+            <a:r>
+              <a:rPr lang="es-MX" baseline="0" dirty="0" smtClean="0"/>
+              <a:t> que no hereda del padre de forma </a:t>
+            </a:r>
+            <a:r>
+              <a:rPr lang="es-MX" baseline="0" dirty="0" err="1" smtClean="0"/>
+              <a:t>prototipada</a:t>
+            </a:r>
+            <a:r>
+              <a:rPr lang="es-MX" baseline="0" dirty="0" smtClean="0"/>
+              <a:t> pero que puede acceder a las propiedades de este mediante la propiedad $</a:t>
+            </a:r>
+            <a:r>
+              <a:rPr lang="es-MX" baseline="0" dirty="0" err="1" smtClean="0"/>
+              <a:t>parent</a:t>
+            </a:r>
+            <a:r>
+              <a:rPr lang="es-MX" baseline="0" dirty="0" smtClean="0"/>
+              <a:t>. Esta es para componentes reusables. Puedo crear todas las variables y métodos que quiera y solo existirán para esta directiva.</a:t>
+            </a:r>
+          </a:p>
+          <a:p>
+            <a:r>
+              <a:rPr lang="es-MX" baseline="0" dirty="0" smtClean="0"/>
+              <a:t>La directiva tiene identidad propia. Yo decido que información del </a:t>
+            </a:r>
+            <a:r>
+              <a:rPr lang="es-MX" baseline="0" dirty="0" err="1" smtClean="0"/>
+              <a:t>scope</a:t>
+            </a:r>
+            <a:r>
+              <a:rPr lang="es-MX" baseline="0" dirty="0" smtClean="0"/>
+              <a:t> tendré en el mío.</a:t>
+            </a:r>
+          </a:p>
+          <a:p>
+            <a:r>
+              <a:rPr lang="es-MX" baseline="0" dirty="0" smtClean="0"/>
+              <a:t>La forma de usarlo es definiendo un {} objeto como </a:t>
+            </a:r>
+            <a:r>
+              <a:rPr lang="es-MX" baseline="0" dirty="0" err="1" smtClean="0"/>
+              <a:t>scope</a:t>
+            </a:r>
+            <a:r>
+              <a:rPr lang="es-MX" baseline="0" dirty="0" smtClean="0"/>
+              <a:t> y en este definir las propiedades que quiero del padre en mi </a:t>
+            </a:r>
+            <a:r>
+              <a:rPr lang="es-MX" baseline="0" dirty="0" err="1" smtClean="0"/>
+              <a:t>scope</a:t>
+            </a:r>
+            <a:r>
+              <a:rPr lang="es-MX" baseline="0" dirty="0" smtClean="0"/>
+              <a:t> local.</a:t>
+            </a:r>
+          </a:p>
+          <a:p>
+            <a:r>
+              <a:rPr lang="es-MX" baseline="0" dirty="0" smtClean="0"/>
+              <a:t>Existen 3 formas de acceder, nosotros veremos la que hace una unión bidireccional que es utilizando el signo =.</a:t>
+            </a:r>
+          </a:p>
+          <a:p>
+            <a:endParaRPr lang="es-AR" baseline="0" dirty="0" smtClean="0"/>
+          </a:p>
+          <a:p>
+            <a:r>
+              <a:rPr lang="es-AR" baseline="0" dirty="0" smtClean="0"/>
+              <a:t>Link: Puedo registrar </a:t>
+            </a:r>
+            <a:r>
+              <a:rPr lang="es-AR" baseline="0" dirty="0" err="1" smtClean="0"/>
+              <a:t>event</a:t>
+            </a:r>
+            <a:r>
+              <a:rPr lang="es-AR" baseline="0" dirty="0" smtClean="0"/>
+              <a:t> </a:t>
+            </a:r>
+            <a:r>
+              <a:rPr lang="es-AR" baseline="0" dirty="0" err="1" smtClean="0"/>
+              <a:t>listeners</a:t>
+            </a:r>
+            <a:r>
+              <a:rPr lang="es-AR" baseline="0" dirty="0" smtClean="0"/>
+              <a:t>. Observar cambios en el elemento de la directiva o registrar </a:t>
+            </a:r>
+            <a:r>
+              <a:rPr lang="es-AR" baseline="0" dirty="0" err="1" smtClean="0"/>
+              <a:t>watches</a:t>
+            </a:r>
+            <a:r>
+              <a:rPr lang="es-AR" baseline="0" dirty="0" smtClean="0"/>
+              <a:t> de las propiedades del </a:t>
+            </a:r>
+            <a:r>
+              <a:rPr lang="es-AR" baseline="0" dirty="0" err="1" smtClean="0"/>
+              <a:t>scope</a:t>
+            </a:r>
+            <a:r>
+              <a:rPr lang="es-AR" baseline="0" dirty="0" smtClean="0"/>
+              <a:t>.</a:t>
+            </a:r>
+          </a:p>
+          <a:p>
+            <a:endParaRPr lang="es-AR" baseline="0" dirty="0" smtClean="0"/>
+          </a:p>
+          <a:p>
+            <a:endParaRPr lang="es-AR" dirty="0"/>
+          </a:p>
+        </p:txBody>
+      </p:sp>
+      <p:sp>
+        <p:nvSpPr>
+          <p:cNvPr id="4" name="Slide Number Placeholder 3"/>
+          <p:cNvSpPr>
+            <a:spLocks noGrp="1"/>
+          </p:cNvSpPr>
+          <p:nvPr>
+            <p:ph type="sldNum" sz="quarter" idx="10"/>
+          </p:nvPr>
+        </p:nvSpPr>
+        <p:spPr/>
+        <p:txBody>
+          <a:bodyPr/>
+          <a:lstStyle/>
+          <a:p>
+            <a:fld id="{7D61118C-0B68-45A8-8791-420E0DB4DDEA}" type="slidenum">
+              <a:rPr lang="es-AR" smtClean="0"/>
+              <a:t>17</a:t>
+            </a:fld>
+            <a:endParaRPr lang="es-AR"/>
+          </a:p>
+        </p:txBody>
+      </p:sp>
+    </p:spTree>
+    <p:extLst>
+      <p:ext uri="{BB962C8B-B14F-4D97-AF65-F5344CB8AC3E}">
+        <p14:creationId xmlns:p14="http://schemas.microsoft.com/office/powerpoint/2010/main" val="2284509712"/>
+      </p:ext>
+    </p:extLst>
+  </p:cSld>
+  <p:clrMapOvr>
+    <a:masterClrMapping/>
+  </p:clrMapOvr>
+</p:notes>
+</file>
+
+<file path=ppt/notesSlides/notesSlide2.xml><?xml version="1.0" encoding="utf-8"?>
+<p:notes xmlns:a="http://schemas.openxmlformats.org/drawingml/2006/main" xmlns:r="http://schemas.openxmlformats.org/officeDocument/2006/relationships" xmlns:p="http://schemas.openxmlformats.org/presentationml/2006/main">
+  <p:cSld>
+    <p:spTree>
+      <p:nvGrpSpPr>
+        <p:cNvPr id="1" name=""/>
+        <p:cNvGrpSpPr/>
+        <p:nvPr/>
+      </p:nvGrpSpPr>
+      <p:grpSpPr>
+        <a:xfrm>
+          <a:off x="0" y="0"/>
+          <a:ext cx="0" cy="0"/>
+          <a:chOff x="0" y="0"/>
+          <a:chExt cx="0" cy="0"/>
+        </a:xfrm>
+      </p:grpSpPr>
+      <p:sp>
+        <p:nvSpPr>
+          <p:cNvPr id="2" name="Slide Image Placeholder 1"/>
+          <p:cNvSpPr>
+            <a:spLocks noGrp="1" noRot="1" noChangeAspect="1"/>
+          </p:cNvSpPr>
+          <p:nvPr>
+            <p:ph type="sldImg"/>
+          </p:nvPr>
+        </p:nvSpPr>
+        <p:spPr/>
+      </p:sp>
+      <p:sp>
+        <p:nvSpPr>
+          <p:cNvPr id="3" name="Notes Placeholder 2"/>
+          <p:cNvSpPr>
+            <a:spLocks noGrp="1"/>
+          </p:cNvSpPr>
+          <p:nvPr>
+            <p:ph type="body" idx="1"/>
+          </p:nvPr>
+        </p:nvSpPr>
+        <p:spPr/>
+        <p:txBody>
+          <a:bodyPr/>
+          <a:lstStyle/>
+          <a:p>
+            <a:r>
+              <a:rPr lang="en-US" dirty="0" err="1" smtClean="0"/>
+              <a:t>Por</a:t>
+            </a:r>
+            <a:r>
+              <a:rPr lang="en-US" dirty="0" smtClean="0"/>
+              <a:t> </a:t>
+            </a:r>
+            <a:r>
+              <a:rPr lang="en-US" dirty="0" err="1" smtClean="0"/>
+              <a:t>ejemplo</a:t>
+            </a:r>
+            <a:r>
+              <a:rPr lang="en-US" dirty="0" smtClean="0"/>
+              <a:t>, </a:t>
+            </a:r>
+            <a:r>
+              <a:rPr lang="en-US" dirty="0" err="1" smtClean="0"/>
+              <a:t>en</a:t>
+            </a:r>
+            <a:r>
+              <a:rPr lang="en-US" dirty="0" smtClean="0"/>
+              <a:t> </a:t>
+            </a:r>
+            <a:r>
+              <a:rPr lang="en-US" dirty="0" err="1" smtClean="0"/>
+              <a:t>este</a:t>
+            </a:r>
+            <a:r>
+              <a:rPr lang="en-US" dirty="0" smtClean="0"/>
+              <a:t> </a:t>
+            </a:r>
+            <a:r>
+              <a:rPr lang="en-US" dirty="0" err="1" smtClean="0"/>
+              <a:t>caso</a:t>
+            </a:r>
+            <a:r>
+              <a:rPr lang="en-US" dirty="0" smtClean="0"/>
+              <a:t> </a:t>
+            </a:r>
+            <a:r>
+              <a:rPr lang="en-US" dirty="0" err="1" smtClean="0"/>
+              <a:t>tenemos</a:t>
+            </a:r>
+            <a:r>
+              <a:rPr lang="en-US" dirty="0" smtClean="0"/>
+              <a:t> </a:t>
+            </a:r>
+            <a:r>
+              <a:rPr lang="en-US" dirty="0" err="1" smtClean="0"/>
+              <a:t>una</a:t>
+            </a:r>
+            <a:r>
+              <a:rPr lang="en-US" dirty="0" smtClean="0"/>
+              <a:t> </a:t>
+            </a:r>
+            <a:r>
+              <a:rPr lang="en-US" dirty="0" err="1" smtClean="0"/>
+              <a:t>coleccion</a:t>
+            </a:r>
+            <a:r>
+              <a:rPr lang="en-US" dirty="0" smtClean="0"/>
+              <a:t> de strings.</a:t>
+            </a:r>
+          </a:p>
+          <a:p>
+            <a:r>
+              <a:rPr lang="en-US" dirty="0" smtClean="0"/>
+              <a:t>Lo </a:t>
+            </a:r>
+            <a:r>
+              <a:rPr lang="en-US" dirty="0" err="1" smtClean="0"/>
+              <a:t>que</a:t>
+            </a:r>
+            <a:r>
+              <a:rPr lang="en-US" dirty="0" smtClean="0"/>
+              <a:t> </a:t>
+            </a:r>
+            <a:r>
+              <a:rPr lang="en-US" dirty="0" err="1" smtClean="0"/>
+              <a:t>hacemos</a:t>
+            </a:r>
+            <a:r>
+              <a:rPr lang="en-US" dirty="0" smtClean="0"/>
+              <a:t> </a:t>
+            </a:r>
+            <a:r>
+              <a:rPr lang="en-US" dirty="0" err="1" smtClean="0"/>
+              <a:t>es</a:t>
+            </a:r>
+            <a:r>
+              <a:rPr lang="en-US" dirty="0" smtClean="0"/>
+              <a:t> </a:t>
+            </a:r>
+            <a:r>
+              <a:rPr lang="en-US" dirty="0" err="1" smtClean="0"/>
+              <a:t>filtrar</a:t>
+            </a:r>
+            <a:r>
+              <a:rPr lang="en-US" dirty="0" smtClean="0"/>
+              <a:t> </a:t>
+            </a:r>
+            <a:r>
+              <a:rPr lang="en-US" dirty="0" err="1" smtClean="0"/>
+              <a:t>esa</a:t>
+            </a:r>
+            <a:r>
+              <a:rPr lang="en-US" dirty="0" smtClean="0"/>
+              <a:t> </a:t>
+            </a:r>
+            <a:r>
+              <a:rPr lang="en-US" dirty="0" err="1" smtClean="0"/>
+              <a:t>coleccion</a:t>
+            </a:r>
+            <a:r>
+              <a:rPr lang="en-US" dirty="0" smtClean="0"/>
+              <a:t> </a:t>
+            </a:r>
+            <a:r>
+              <a:rPr lang="en-US" dirty="0" err="1" smtClean="0"/>
+              <a:t>en</a:t>
+            </a:r>
+            <a:r>
+              <a:rPr lang="en-US" dirty="0" smtClean="0"/>
+              <a:t> base a un </a:t>
+            </a:r>
+            <a:r>
+              <a:rPr lang="en-US" dirty="0" err="1" smtClean="0"/>
+              <a:t>texto</a:t>
+            </a:r>
+            <a:r>
+              <a:rPr lang="en-US" dirty="0" smtClean="0"/>
+              <a:t>. </a:t>
+            </a:r>
+            <a:r>
+              <a:rPr lang="en-US" dirty="0" err="1" smtClean="0"/>
+              <a:t>Por</a:t>
+            </a:r>
+            <a:r>
+              <a:rPr lang="en-US" dirty="0" smtClean="0"/>
+              <a:t> </a:t>
+            </a:r>
+            <a:r>
+              <a:rPr lang="en-US" dirty="0" err="1" smtClean="0"/>
+              <a:t>ejempl</a:t>
+            </a:r>
+            <a:r>
+              <a:rPr lang="en-US" dirty="0" smtClean="0"/>
+              <a:t> </a:t>
+            </a:r>
+            <a:r>
+              <a:rPr lang="en-US" dirty="0" err="1" smtClean="0"/>
+              <a:t>si</a:t>
+            </a:r>
+            <a:r>
+              <a:rPr lang="en-US" dirty="0" smtClean="0"/>
+              <a:t> </a:t>
+            </a:r>
+            <a:r>
+              <a:rPr lang="en-US" dirty="0" err="1" smtClean="0"/>
+              <a:t>ingresamos</a:t>
+            </a:r>
+            <a:r>
+              <a:rPr lang="en-US" dirty="0" smtClean="0"/>
+              <a:t> “</a:t>
+            </a:r>
+            <a:r>
+              <a:rPr lang="en-US" dirty="0" err="1" smtClean="0"/>
+              <a:t>na</a:t>
+            </a:r>
+            <a:r>
+              <a:rPr lang="en-US" dirty="0" smtClean="0"/>
+              <a:t>”, se</a:t>
+            </a:r>
+            <a:r>
+              <a:rPr lang="en-US" baseline="0" dirty="0" smtClean="0"/>
+              <a:t> </a:t>
+            </a:r>
+            <a:r>
+              <a:rPr lang="en-US" baseline="0" dirty="0" err="1" smtClean="0"/>
+              <a:t>filtraria</a:t>
+            </a:r>
+            <a:r>
+              <a:rPr lang="en-US" baseline="0" dirty="0" smtClean="0"/>
+              <a:t> la </a:t>
+            </a:r>
+            <a:r>
+              <a:rPr lang="en-US" baseline="0" dirty="0" err="1" smtClean="0"/>
+              <a:t>coleccion</a:t>
+            </a:r>
+            <a:r>
+              <a:rPr lang="en-US" baseline="0" dirty="0" smtClean="0"/>
+              <a:t> </a:t>
+            </a:r>
+            <a:r>
+              <a:rPr lang="en-US" baseline="0" dirty="0" err="1" smtClean="0"/>
+              <a:t>dejando</a:t>
+            </a:r>
+            <a:r>
+              <a:rPr lang="en-US" baseline="0" dirty="0" smtClean="0"/>
+              <a:t> solo los </a:t>
+            </a:r>
+            <a:r>
+              <a:rPr lang="en-US" baseline="0" dirty="0" err="1" smtClean="0"/>
+              <a:t>elementos</a:t>
+            </a:r>
+            <a:r>
+              <a:rPr lang="en-US" baseline="0" dirty="0" smtClean="0"/>
+              <a:t> </a:t>
+            </a:r>
+            <a:r>
+              <a:rPr lang="en-US" baseline="0" dirty="0" err="1" smtClean="0"/>
+              <a:t>que</a:t>
+            </a:r>
+            <a:r>
+              <a:rPr lang="en-US" baseline="0" dirty="0" smtClean="0"/>
+              <a:t> </a:t>
+            </a:r>
+            <a:r>
+              <a:rPr lang="en-US" baseline="0" dirty="0" err="1" smtClean="0"/>
+              <a:t>coinciden</a:t>
+            </a:r>
+            <a:r>
+              <a:rPr lang="en-US" baseline="0" dirty="0" smtClean="0"/>
+              <a:t> con el </a:t>
+            </a:r>
+            <a:r>
+              <a:rPr lang="en-US" baseline="0" dirty="0" err="1" smtClean="0"/>
+              <a:t>texto</a:t>
+            </a:r>
+            <a:r>
+              <a:rPr lang="en-US" baseline="0" dirty="0" smtClean="0"/>
+              <a:t> </a:t>
+            </a:r>
+            <a:r>
+              <a:rPr lang="en-US" baseline="0" dirty="0" err="1" smtClean="0"/>
+              <a:t>que</a:t>
+            </a:r>
+            <a:r>
+              <a:rPr lang="en-US" baseline="0" dirty="0" smtClean="0"/>
+              <a:t> </a:t>
+            </a:r>
+            <a:r>
+              <a:rPr lang="en-US" baseline="0" dirty="0" err="1" smtClean="0"/>
+              <a:t>usamos</a:t>
+            </a:r>
+            <a:r>
+              <a:rPr lang="en-US" baseline="0" dirty="0" smtClean="0"/>
+              <a:t> para </a:t>
+            </a:r>
+            <a:r>
+              <a:rPr lang="en-US" baseline="0" dirty="0" err="1" smtClean="0"/>
+              <a:t>filtrar</a:t>
+            </a:r>
+            <a:r>
+              <a:rPr lang="en-US" baseline="0" dirty="0" smtClean="0"/>
+              <a:t>, </a:t>
+            </a:r>
+            <a:r>
+              <a:rPr lang="en-US" baseline="0" dirty="0" err="1" smtClean="0"/>
+              <a:t>que</a:t>
+            </a:r>
+            <a:r>
+              <a:rPr lang="en-US" baseline="0" dirty="0" smtClean="0"/>
+              <a:t> </a:t>
+            </a:r>
+            <a:r>
+              <a:rPr lang="en-US" baseline="0" dirty="0" err="1" smtClean="0"/>
+              <a:t>serian</a:t>
+            </a:r>
+            <a:r>
+              <a:rPr lang="en-US" baseline="0" dirty="0" smtClean="0"/>
+              <a:t> “</a:t>
+            </a:r>
+            <a:r>
+              <a:rPr lang="en-US" baseline="0" dirty="0" err="1" smtClean="0"/>
+              <a:t>manzana</a:t>
+            </a:r>
+            <a:r>
+              <a:rPr lang="en-US" baseline="0" dirty="0" smtClean="0"/>
+              <a:t>” y “banana”.</a:t>
+            </a:r>
+          </a:p>
+          <a:p>
+            <a:endParaRPr lang="en-US" dirty="0"/>
+          </a:p>
+        </p:txBody>
+      </p:sp>
+      <p:sp>
+        <p:nvSpPr>
+          <p:cNvPr id="4" name="Slide Number Placeholder 3"/>
+          <p:cNvSpPr>
+            <a:spLocks noGrp="1"/>
+          </p:cNvSpPr>
+          <p:nvPr>
+            <p:ph type="sldNum" sz="quarter" idx="10"/>
+          </p:nvPr>
+        </p:nvSpPr>
+        <p:spPr/>
+        <p:txBody>
+          <a:bodyPr/>
+          <a:lstStyle/>
+          <a:p>
+            <a:fld id="{7D61118C-0B68-45A8-8791-420E0DB4DDEA}" type="slidenum">
+              <a:rPr lang="es-AR" smtClean="0"/>
               <a:t>2</a:t>
             </a:fld>
             <a:endParaRPr lang="es-AR"/>
@@ -568,6 +2643,1989 @@
     <p:extLst>
       <p:ext uri="{BB962C8B-B14F-4D97-AF65-F5344CB8AC3E}">
         <p14:creationId xmlns:p14="http://schemas.microsoft.com/office/powerpoint/2010/main" val="1945538401"/>
+      </p:ext>
+    </p:extLst>
+  </p:cSld>
+  <p:clrMapOvr>
+    <a:masterClrMapping/>
+  </p:clrMapOvr>
+</p:notes>
+</file>
+
+<file path=ppt/notesSlides/notesSlide3.xml><?xml version="1.0" encoding="utf-8"?>
+<p:notes xmlns:a="http://schemas.openxmlformats.org/drawingml/2006/main" xmlns:r="http://schemas.openxmlformats.org/officeDocument/2006/relationships" xmlns:p="http://schemas.openxmlformats.org/presentationml/2006/main">
+  <p:cSld>
+    <p:spTree>
+      <p:nvGrpSpPr>
+        <p:cNvPr id="1" name=""/>
+        <p:cNvGrpSpPr/>
+        <p:nvPr/>
+      </p:nvGrpSpPr>
+      <p:grpSpPr>
+        <a:xfrm>
+          <a:off x="0" y="0"/>
+          <a:ext cx="0" cy="0"/>
+          <a:chOff x="0" y="0"/>
+          <a:chExt cx="0" cy="0"/>
+        </a:xfrm>
+      </p:grpSpPr>
+      <p:sp>
+        <p:nvSpPr>
+          <p:cNvPr id="2" name="Slide Image Placeholder 1"/>
+          <p:cNvSpPr>
+            <a:spLocks noGrp="1" noRot="1" noChangeAspect="1"/>
+          </p:cNvSpPr>
+          <p:nvPr>
+            <p:ph type="sldImg"/>
+          </p:nvPr>
+        </p:nvSpPr>
+        <p:spPr/>
+      </p:sp>
+      <p:sp>
+        <p:nvSpPr>
+          <p:cNvPr id="3" name="Notes Placeholder 2"/>
+          <p:cNvSpPr>
+            <a:spLocks noGrp="1"/>
+          </p:cNvSpPr>
+          <p:nvPr>
+            <p:ph type="body" idx="1"/>
+          </p:nvPr>
+        </p:nvSpPr>
+        <p:spPr/>
+        <p:txBody>
+          <a:bodyPr/>
+          <a:lstStyle/>
+          <a:p>
+            <a:r>
+              <a:rPr lang="en-US" baseline="0" dirty="0" err="1" smtClean="0"/>
+              <a:t>Ahora</a:t>
+            </a:r>
+            <a:r>
+              <a:rPr lang="en-US" baseline="0" dirty="0" smtClean="0"/>
+              <a:t> </a:t>
+            </a:r>
+            <a:r>
+              <a:rPr lang="en-US" baseline="0" dirty="0" err="1" smtClean="0"/>
+              <a:t>vamos</a:t>
+            </a:r>
+            <a:r>
+              <a:rPr lang="en-US" baseline="0" dirty="0" smtClean="0"/>
+              <a:t> a </a:t>
+            </a:r>
+            <a:r>
+              <a:rPr lang="en-US" baseline="0" dirty="0" err="1" smtClean="0"/>
+              <a:t>cambiar</a:t>
+            </a:r>
+            <a:r>
+              <a:rPr lang="en-US" baseline="0" dirty="0" smtClean="0"/>
+              <a:t> el </a:t>
+            </a:r>
+            <a:r>
+              <a:rPr lang="en-US" baseline="0" dirty="0" err="1" smtClean="0"/>
+              <a:t>ejemplo</a:t>
+            </a:r>
+            <a:r>
+              <a:rPr lang="en-US" baseline="0" dirty="0" smtClean="0"/>
+              <a:t>, </a:t>
+            </a:r>
+            <a:r>
+              <a:rPr lang="en-US" baseline="0" dirty="0" err="1" smtClean="0"/>
+              <a:t>en</a:t>
+            </a:r>
+            <a:r>
+              <a:rPr lang="en-US" baseline="0" dirty="0" smtClean="0"/>
+              <a:t> </a:t>
+            </a:r>
+            <a:r>
+              <a:rPr lang="en-US" baseline="0" dirty="0" err="1" smtClean="0"/>
+              <a:t>vez</a:t>
+            </a:r>
+            <a:r>
+              <a:rPr lang="en-US" baseline="0" dirty="0" smtClean="0"/>
+              <a:t> de </a:t>
+            </a:r>
+            <a:r>
+              <a:rPr lang="en-US" baseline="0" dirty="0" err="1" smtClean="0"/>
+              <a:t>usar</a:t>
+            </a:r>
+            <a:r>
+              <a:rPr lang="en-US" baseline="0" dirty="0" smtClean="0"/>
+              <a:t> </a:t>
+            </a:r>
+            <a:r>
+              <a:rPr lang="en-US" baseline="0" dirty="0" err="1" smtClean="0"/>
+              <a:t>una</a:t>
+            </a:r>
+            <a:r>
+              <a:rPr lang="en-US" baseline="0" dirty="0" smtClean="0"/>
+              <a:t> </a:t>
+            </a:r>
+            <a:r>
+              <a:rPr lang="en-US" baseline="0" dirty="0" err="1" smtClean="0"/>
+              <a:t>lista</a:t>
+            </a:r>
+            <a:r>
+              <a:rPr lang="en-US" baseline="0" dirty="0" smtClean="0"/>
+              <a:t> de string </a:t>
+            </a:r>
+            <a:r>
+              <a:rPr lang="en-US" baseline="0" dirty="0" err="1" smtClean="0"/>
+              <a:t>vamos</a:t>
+            </a:r>
+            <a:r>
+              <a:rPr lang="en-US" baseline="0" dirty="0" smtClean="0"/>
+              <a:t> a </a:t>
+            </a:r>
+            <a:r>
+              <a:rPr lang="en-US" baseline="0" dirty="0" err="1" smtClean="0"/>
+              <a:t>usar</a:t>
+            </a:r>
+            <a:r>
+              <a:rPr lang="en-US" baseline="0" dirty="0" smtClean="0"/>
+              <a:t> </a:t>
+            </a:r>
+            <a:r>
+              <a:rPr lang="en-US" baseline="0" dirty="0" err="1" smtClean="0"/>
+              <a:t>una</a:t>
+            </a:r>
+            <a:r>
+              <a:rPr lang="en-US" baseline="0" dirty="0" smtClean="0"/>
+              <a:t> </a:t>
+            </a:r>
+            <a:r>
+              <a:rPr lang="en-US" baseline="0" dirty="0" err="1" smtClean="0"/>
+              <a:t>lista</a:t>
+            </a:r>
+            <a:r>
+              <a:rPr lang="en-US" baseline="0" dirty="0" smtClean="0"/>
+              <a:t> de </a:t>
+            </a:r>
+            <a:r>
+              <a:rPr lang="en-US" baseline="0" dirty="0" err="1" smtClean="0"/>
+              <a:t>objetos</a:t>
+            </a:r>
+            <a:r>
+              <a:rPr lang="en-US" baseline="0" dirty="0" smtClean="0"/>
+              <a:t>.</a:t>
+            </a:r>
+          </a:p>
+          <a:p>
+            <a:r>
+              <a:rPr lang="en-US" baseline="0" dirty="0" err="1" smtClean="0"/>
+              <a:t>Cada</a:t>
+            </a:r>
+            <a:r>
+              <a:rPr lang="en-US" baseline="0" dirty="0" smtClean="0"/>
+              <a:t> </a:t>
+            </a:r>
+            <a:r>
+              <a:rPr lang="en-US" baseline="0" dirty="0" err="1" smtClean="0"/>
+              <a:t>objeto</a:t>
+            </a:r>
+            <a:r>
+              <a:rPr lang="en-US" baseline="0" dirty="0" smtClean="0"/>
+              <a:t> </a:t>
+            </a:r>
+            <a:r>
+              <a:rPr lang="en-US" baseline="0" dirty="0" err="1" smtClean="0"/>
+              <a:t>tiene</a:t>
+            </a:r>
+            <a:r>
+              <a:rPr lang="en-US" baseline="0" dirty="0" smtClean="0"/>
+              <a:t> 2 </a:t>
+            </a:r>
+            <a:r>
+              <a:rPr lang="en-US" baseline="0" dirty="0" err="1" smtClean="0"/>
+              <a:t>propiedades</a:t>
+            </a:r>
+            <a:r>
+              <a:rPr lang="en-US" baseline="0" dirty="0" smtClean="0"/>
+              <a:t> (</a:t>
+            </a:r>
+            <a:r>
+              <a:rPr lang="en-US" baseline="0" dirty="0" err="1" smtClean="0"/>
+              <a:t>importantes</a:t>
+            </a:r>
+            <a:r>
+              <a:rPr lang="en-US" baseline="0" dirty="0" smtClean="0"/>
+              <a:t>): </a:t>
+            </a:r>
+            <a:r>
+              <a:rPr lang="en-US" baseline="0" dirty="0" err="1" smtClean="0"/>
+              <a:t>título</a:t>
+            </a:r>
+            <a:r>
+              <a:rPr lang="en-US" baseline="0" dirty="0" smtClean="0"/>
+              <a:t> y </a:t>
+            </a:r>
+            <a:r>
+              <a:rPr lang="en-US" baseline="0" dirty="0" err="1" smtClean="0"/>
+              <a:t>genero</a:t>
+            </a:r>
+            <a:r>
+              <a:rPr lang="en-US" baseline="0" dirty="0" smtClean="0"/>
+              <a:t>, y </a:t>
+            </a:r>
+            <a:r>
+              <a:rPr lang="en-US" baseline="0" dirty="0" err="1" smtClean="0"/>
+              <a:t>vamos</a:t>
+            </a:r>
+            <a:r>
+              <a:rPr lang="en-US" baseline="0" dirty="0" smtClean="0"/>
+              <a:t> a </a:t>
+            </a:r>
+            <a:r>
+              <a:rPr lang="en-US" baseline="0" dirty="0" err="1" smtClean="0"/>
+              <a:t>filtrar</a:t>
+            </a:r>
+            <a:r>
+              <a:rPr lang="en-US" baseline="0" dirty="0" smtClean="0"/>
+              <a:t> </a:t>
+            </a:r>
+            <a:r>
+              <a:rPr lang="en-US" baseline="0" dirty="0" err="1" smtClean="0"/>
+              <a:t>por</a:t>
+            </a:r>
+            <a:r>
+              <a:rPr lang="en-US" baseline="0" dirty="0" smtClean="0"/>
+              <a:t> </a:t>
+            </a:r>
+            <a:r>
+              <a:rPr lang="en-US" baseline="0" dirty="0" err="1" smtClean="0"/>
+              <a:t>ambas</a:t>
+            </a:r>
+            <a:r>
+              <a:rPr lang="en-US" baseline="0" dirty="0" smtClean="0"/>
+              <a:t>.</a:t>
+            </a:r>
+          </a:p>
+          <a:p>
+            <a:endParaRPr lang="es-AR" dirty="0"/>
+          </a:p>
+        </p:txBody>
+      </p:sp>
+      <p:sp>
+        <p:nvSpPr>
+          <p:cNvPr id="4" name="Slide Number Placeholder 3"/>
+          <p:cNvSpPr>
+            <a:spLocks noGrp="1"/>
+          </p:cNvSpPr>
+          <p:nvPr>
+            <p:ph type="sldNum" sz="quarter" idx="10"/>
+          </p:nvPr>
+        </p:nvSpPr>
+        <p:spPr/>
+        <p:txBody>
+          <a:bodyPr/>
+          <a:lstStyle/>
+          <a:p>
+            <a:fld id="{7D61118C-0B68-45A8-8791-420E0DB4DDEA}" type="slidenum">
+              <a:rPr lang="es-AR" smtClean="0"/>
+              <a:t>3</a:t>
+            </a:fld>
+            <a:endParaRPr lang="es-AR"/>
+          </a:p>
+        </p:txBody>
+      </p:sp>
+    </p:spTree>
+    <p:extLst>
+      <p:ext uri="{BB962C8B-B14F-4D97-AF65-F5344CB8AC3E}">
+        <p14:creationId xmlns:p14="http://schemas.microsoft.com/office/powerpoint/2010/main" val="4276051333"/>
+      </p:ext>
+    </p:extLst>
+  </p:cSld>
+  <p:clrMapOvr>
+    <a:masterClrMapping/>
+  </p:clrMapOvr>
+</p:notes>
+</file>
+
+<file path=ppt/notesSlides/notesSlide4.xml><?xml version="1.0" encoding="utf-8"?>
+<p:notes xmlns:a="http://schemas.openxmlformats.org/drawingml/2006/main" xmlns:r="http://schemas.openxmlformats.org/officeDocument/2006/relationships" xmlns:p="http://schemas.openxmlformats.org/presentationml/2006/main">
+  <p:cSld>
+    <p:spTree>
+      <p:nvGrpSpPr>
+        <p:cNvPr id="1" name=""/>
+        <p:cNvGrpSpPr/>
+        <p:nvPr/>
+      </p:nvGrpSpPr>
+      <p:grpSpPr>
+        <a:xfrm>
+          <a:off x="0" y="0"/>
+          <a:ext cx="0" cy="0"/>
+          <a:chOff x="0" y="0"/>
+          <a:chExt cx="0" cy="0"/>
+        </a:xfrm>
+      </p:grpSpPr>
+      <p:sp>
+        <p:nvSpPr>
+          <p:cNvPr id="2" name="Slide Image Placeholder 1"/>
+          <p:cNvSpPr>
+            <a:spLocks noGrp="1" noRot="1" noChangeAspect="1"/>
+          </p:cNvSpPr>
+          <p:nvPr>
+            <p:ph type="sldImg"/>
+          </p:nvPr>
+        </p:nvSpPr>
+        <p:spPr/>
+      </p:sp>
+      <p:sp>
+        <p:nvSpPr>
+          <p:cNvPr id="3" name="Notes Placeholder 2"/>
+          <p:cNvSpPr>
+            <a:spLocks noGrp="1"/>
+          </p:cNvSpPr>
+          <p:nvPr>
+            <p:ph type="body" idx="1"/>
+          </p:nvPr>
+        </p:nvSpPr>
+        <p:spPr/>
+        <p:txBody>
+          <a:bodyPr/>
+          <a:lstStyle/>
+          <a:p>
+            <a:r>
+              <a:rPr lang="en-US" dirty="0" err="1" smtClean="0"/>
+              <a:t>En</a:t>
+            </a:r>
+            <a:r>
+              <a:rPr lang="en-US" dirty="0" smtClean="0"/>
+              <a:t> </a:t>
+            </a:r>
+            <a:r>
+              <a:rPr lang="en-US" dirty="0" err="1" smtClean="0"/>
+              <a:t>este</a:t>
+            </a:r>
+            <a:r>
+              <a:rPr lang="en-US" dirty="0" smtClean="0"/>
+              <a:t> </a:t>
+            </a:r>
+            <a:r>
+              <a:rPr lang="en-US" dirty="0" err="1" smtClean="0"/>
+              <a:t>caso</a:t>
+            </a:r>
+            <a:r>
+              <a:rPr lang="en-US" dirty="0" smtClean="0"/>
+              <a:t> a filter le </a:t>
+            </a:r>
+            <a:r>
+              <a:rPr lang="en-US" dirty="0" err="1" smtClean="0"/>
+              <a:t>pasamos</a:t>
+            </a:r>
+            <a:r>
+              <a:rPr lang="en-US" dirty="0" smtClean="0"/>
+              <a:t> </a:t>
+            </a:r>
+            <a:r>
+              <a:rPr lang="en-US" dirty="0" err="1" smtClean="0"/>
+              <a:t>como</a:t>
+            </a:r>
+            <a:r>
+              <a:rPr lang="en-US" dirty="0" smtClean="0"/>
+              <a:t> </a:t>
+            </a:r>
+            <a:r>
+              <a:rPr lang="en-US" dirty="0" err="1" smtClean="0"/>
+              <a:t>parametro</a:t>
+            </a:r>
+            <a:r>
+              <a:rPr lang="en-US" dirty="0" smtClean="0"/>
+              <a:t> un </a:t>
+            </a:r>
+            <a:r>
+              <a:rPr lang="en-US" dirty="0" err="1" smtClean="0"/>
+              <a:t>objeto</a:t>
+            </a:r>
+            <a:r>
+              <a:rPr lang="en-US" dirty="0" smtClean="0"/>
+              <a:t> con la </a:t>
+            </a:r>
+            <a:r>
+              <a:rPr lang="en-US" dirty="0" err="1" smtClean="0"/>
+              <a:t>misma</a:t>
+            </a:r>
+            <a:r>
+              <a:rPr lang="en-US" dirty="0" smtClean="0"/>
+              <a:t> </a:t>
+            </a:r>
+            <a:r>
+              <a:rPr lang="en-US" dirty="0" err="1" smtClean="0"/>
+              <a:t>estructura</a:t>
+            </a:r>
+            <a:r>
+              <a:rPr lang="en-US" dirty="0" smtClean="0"/>
+              <a:t> </a:t>
+            </a:r>
+            <a:r>
+              <a:rPr lang="en-US" dirty="0" err="1" smtClean="0"/>
+              <a:t>que</a:t>
+            </a:r>
+            <a:r>
+              <a:rPr lang="en-US" dirty="0" smtClean="0"/>
+              <a:t> los </a:t>
+            </a:r>
+            <a:r>
+              <a:rPr lang="en-US" dirty="0" err="1" smtClean="0"/>
+              <a:t>objetos</a:t>
+            </a:r>
+            <a:r>
+              <a:rPr lang="en-US" dirty="0" smtClean="0"/>
+              <a:t> </a:t>
+            </a:r>
+            <a:r>
+              <a:rPr lang="en-US" dirty="0" err="1" smtClean="0"/>
+              <a:t>que</a:t>
+            </a:r>
+            <a:r>
+              <a:rPr lang="en-US" dirty="0" smtClean="0"/>
+              <a:t> </a:t>
+            </a:r>
+            <a:r>
+              <a:rPr lang="en-US" dirty="0" err="1" smtClean="0"/>
+              <a:t>estamos</a:t>
+            </a:r>
+            <a:r>
+              <a:rPr lang="en-US" dirty="0" smtClean="0"/>
+              <a:t> </a:t>
+            </a:r>
+            <a:r>
+              <a:rPr lang="en-US" dirty="0" err="1" smtClean="0"/>
+              <a:t>fitrando</a:t>
+            </a:r>
+            <a:r>
+              <a:rPr lang="en-US" dirty="0" smtClean="0"/>
+              <a:t>.</a:t>
+            </a:r>
+          </a:p>
+          <a:p>
+            <a:r>
+              <a:rPr lang="en-US" baseline="0" dirty="0" smtClean="0"/>
+              <a:t>Los </a:t>
+            </a:r>
+            <a:r>
+              <a:rPr lang="en-US" baseline="0" dirty="0" err="1" smtClean="0"/>
+              <a:t>valores</a:t>
+            </a:r>
+            <a:r>
+              <a:rPr lang="en-US" baseline="0" dirty="0" smtClean="0"/>
+              <a:t> </a:t>
+            </a:r>
+            <a:r>
+              <a:rPr lang="en-US" baseline="0" dirty="0" err="1" smtClean="0"/>
+              <a:t>que</a:t>
+            </a:r>
+            <a:r>
+              <a:rPr lang="en-US" baseline="0" dirty="0" smtClean="0"/>
+              <a:t> </a:t>
+            </a:r>
+            <a:r>
+              <a:rPr lang="en-US" baseline="0" dirty="0" err="1" smtClean="0"/>
+              <a:t>pongamos</a:t>
+            </a:r>
+            <a:r>
+              <a:rPr lang="en-US" baseline="0" dirty="0" smtClean="0"/>
+              <a:t> </a:t>
+            </a:r>
+            <a:r>
+              <a:rPr lang="en-US" baseline="0" dirty="0" err="1" smtClean="0"/>
+              <a:t>en</a:t>
+            </a:r>
+            <a:r>
+              <a:rPr lang="en-US" baseline="0" dirty="0" smtClean="0"/>
+              <a:t> </a:t>
+            </a:r>
+            <a:r>
+              <a:rPr lang="en-US" baseline="0" dirty="0" err="1" smtClean="0"/>
+              <a:t>cada</a:t>
+            </a:r>
+            <a:r>
+              <a:rPr lang="en-US" baseline="0" dirty="0" smtClean="0"/>
+              <a:t> </a:t>
+            </a:r>
+            <a:r>
+              <a:rPr lang="en-US" baseline="0" dirty="0" err="1" smtClean="0"/>
+              <a:t>propiedad</a:t>
+            </a:r>
+            <a:r>
+              <a:rPr lang="en-US" baseline="0" dirty="0" smtClean="0"/>
+              <a:t> del </a:t>
+            </a:r>
+            <a:r>
+              <a:rPr lang="en-US" baseline="0" dirty="0" err="1" smtClean="0"/>
+              <a:t>objeto</a:t>
+            </a:r>
+            <a:r>
+              <a:rPr lang="en-US" baseline="0" dirty="0" smtClean="0"/>
+              <a:t> son los </a:t>
+            </a:r>
+            <a:r>
+              <a:rPr lang="en-US" baseline="0" dirty="0" err="1" smtClean="0"/>
+              <a:t>que</a:t>
+            </a:r>
+            <a:r>
+              <a:rPr lang="en-US" baseline="0" dirty="0" smtClean="0"/>
+              <a:t> se van a </a:t>
+            </a:r>
+            <a:r>
+              <a:rPr lang="en-US" baseline="0" dirty="0" err="1" smtClean="0"/>
+              <a:t>comparar</a:t>
+            </a:r>
+            <a:r>
+              <a:rPr lang="en-US" baseline="0" dirty="0" smtClean="0"/>
+              <a:t> contra </a:t>
+            </a:r>
+            <a:r>
+              <a:rPr lang="en-US" baseline="0" dirty="0" err="1" smtClean="0"/>
+              <a:t>cada</a:t>
+            </a:r>
+            <a:r>
+              <a:rPr lang="en-US" baseline="0" dirty="0" smtClean="0"/>
+              <a:t> </a:t>
+            </a:r>
+            <a:r>
+              <a:rPr lang="en-US" baseline="0" dirty="0" err="1" smtClean="0"/>
+              <a:t>elemento</a:t>
+            </a:r>
+            <a:r>
+              <a:rPr lang="en-US" baseline="0" dirty="0" smtClean="0"/>
+              <a:t> de la </a:t>
+            </a:r>
+            <a:r>
+              <a:rPr lang="en-US" baseline="0" dirty="0" err="1" smtClean="0"/>
+              <a:t>coleccion</a:t>
+            </a:r>
+            <a:r>
+              <a:rPr lang="en-US" baseline="0" dirty="0" smtClean="0"/>
+              <a:t>.</a:t>
+            </a:r>
+          </a:p>
+          <a:p>
+            <a:r>
+              <a:rPr lang="en-US" baseline="0" dirty="0" err="1" smtClean="0"/>
+              <a:t>En</a:t>
+            </a:r>
+            <a:r>
+              <a:rPr lang="en-US" baseline="0" dirty="0" smtClean="0"/>
+              <a:t> </a:t>
+            </a:r>
+            <a:r>
+              <a:rPr lang="en-US" baseline="0" dirty="0" err="1" smtClean="0"/>
+              <a:t>este</a:t>
+            </a:r>
+            <a:r>
+              <a:rPr lang="en-US" baseline="0" dirty="0" smtClean="0"/>
+              <a:t> </a:t>
+            </a:r>
+            <a:r>
+              <a:rPr lang="en-US" baseline="0" dirty="0" err="1" smtClean="0"/>
+              <a:t>caso</a:t>
+            </a:r>
+            <a:r>
+              <a:rPr lang="en-US" baseline="0" dirty="0" smtClean="0"/>
+              <a:t>, </a:t>
+            </a:r>
+            <a:r>
+              <a:rPr lang="en-US" baseline="0" dirty="0" err="1" smtClean="0"/>
+              <a:t>esos</a:t>
+            </a:r>
+            <a:r>
+              <a:rPr lang="en-US" baseline="0" dirty="0" smtClean="0"/>
+              <a:t> </a:t>
+            </a:r>
+            <a:r>
+              <a:rPr lang="en-US" baseline="0" dirty="0" err="1" smtClean="0"/>
+              <a:t>valores</a:t>
+            </a:r>
+            <a:r>
+              <a:rPr lang="en-US" baseline="0" dirty="0" smtClean="0"/>
+              <a:t> los </a:t>
+            </a:r>
+            <a:r>
+              <a:rPr lang="en-US" baseline="0" dirty="0" err="1" smtClean="0"/>
+              <a:t>sacamos</a:t>
+            </a:r>
+            <a:r>
+              <a:rPr lang="en-US" baseline="0" dirty="0" smtClean="0"/>
+              <a:t> de 2 inputs, </a:t>
+            </a:r>
+            <a:r>
+              <a:rPr lang="en-US" baseline="0" dirty="0" err="1" smtClean="0"/>
+              <a:t>entonces</a:t>
+            </a:r>
+            <a:r>
+              <a:rPr lang="en-US" baseline="0" dirty="0" smtClean="0"/>
+              <a:t> </a:t>
+            </a:r>
+            <a:r>
+              <a:rPr lang="en-US" baseline="0" dirty="0" err="1" smtClean="0"/>
+              <a:t>cuando</a:t>
+            </a:r>
+            <a:r>
+              <a:rPr lang="en-US" baseline="0" dirty="0" smtClean="0"/>
+              <a:t> </a:t>
+            </a:r>
+            <a:r>
+              <a:rPr lang="en-US" baseline="0" dirty="0" err="1" smtClean="0"/>
+              <a:t>ingresamos</a:t>
+            </a:r>
+            <a:r>
+              <a:rPr lang="en-US" baseline="0" dirty="0" smtClean="0"/>
+              <a:t> </a:t>
+            </a:r>
+            <a:r>
+              <a:rPr lang="en-US" baseline="0" dirty="0" err="1" smtClean="0"/>
+              <a:t>valores</a:t>
+            </a:r>
+            <a:r>
+              <a:rPr lang="en-US" baseline="0" dirty="0" smtClean="0"/>
+              <a:t> </a:t>
+            </a:r>
+            <a:r>
+              <a:rPr lang="en-US" baseline="0" dirty="0" err="1" smtClean="0"/>
+              <a:t>en</a:t>
+            </a:r>
+            <a:r>
+              <a:rPr lang="en-US" baseline="0" dirty="0" smtClean="0"/>
+              <a:t> </a:t>
+            </a:r>
+            <a:r>
+              <a:rPr lang="en-US" baseline="0" dirty="0" err="1" smtClean="0"/>
+              <a:t>ellos</a:t>
+            </a:r>
+            <a:r>
+              <a:rPr lang="en-US" baseline="0" dirty="0" smtClean="0"/>
+              <a:t> se van a </a:t>
+            </a:r>
+            <a:r>
+              <a:rPr lang="en-US" baseline="0" dirty="0" err="1" smtClean="0"/>
+              <a:t>mostrar</a:t>
+            </a:r>
+            <a:r>
+              <a:rPr lang="en-US" baseline="0" dirty="0" smtClean="0"/>
+              <a:t> </a:t>
+            </a:r>
+            <a:r>
+              <a:rPr lang="en-US" baseline="0" dirty="0" err="1" smtClean="0"/>
+              <a:t>aquellos</a:t>
+            </a:r>
+            <a:r>
+              <a:rPr lang="en-US" baseline="0" dirty="0" smtClean="0"/>
+              <a:t> </a:t>
+            </a:r>
+            <a:r>
+              <a:rPr lang="en-US" baseline="0" dirty="0" err="1" smtClean="0"/>
+              <a:t>libros</a:t>
+            </a:r>
+            <a:r>
+              <a:rPr lang="en-US" baseline="0" dirty="0" smtClean="0"/>
+              <a:t> </a:t>
+            </a:r>
+            <a:r>
+              <a:rPr lang="en-US" baseline="0" dirty="0" err="1" smtClean="0"/>
+              <a:t>que</a:t>
+            </a:r>
+            <a:r>
+              <a:rPr lang="en-US" baseline="0" dirty="0" smtClean="0"/>
+              <a:t> </a:t>
+            </a:r>
+            <a:r>
+              <a:rPr lang="en-US" baseline="0" dirty="0" err="1" smtClean="0"/>
+              <a:t>coinciden</a:t>
+            </a:r>
+            <a:r>
+              <a:rPr lang="en-US" baseline="0" dirty="0" smtClean="0"/>
+              <a:t> con el </a:t>
+            </a:r>
+            <a:r>
+              <a:rPr lang="en-US" baseline="0" dirty="0" err="1" smtClean="0"/>
+              <a:t>titulo</a:t>
+            </a:r>
+            <a:r>
+              <a:rPr lang="en-US" baseline="0" dirty="0" smtClean="0"/>
+              <a:t> y el </a:t>
+            </a:r>
+            <a:r>
+              <a:rPr lang="en-US" baseline="0" dirty="0" err="1" smtClean="0"/>
+              <a:t>genero</a:t>
+            </a:r>
+            <a:r>
+              <a:rPr lang="en-US" baseline="0" dirty="0" smtClean="0"/>
+              <a:t> </a:t>
+            </a:r>
+            <a:r>
+              <a:rPr lang="en-US" baseline="0" dirty="0" err="1" smtClean="0"/>
+              <a:t>que</a:t>
+            </a:r>
+            <a:r>
+              <a:rPr lang="en-US" baseline="0" dirty="0" smtClean="0"/>
+              <a:t> </a:t>
+            </a:r>
+            <a:r>
+              <a:rPr lang="en-US" baseline="0" dirty="0" err="1" smtClean="0"/>
+              <a:t>ingresamos</a:t>
+            </a:r>
+            <a:r>
+              <a:rPr lang="en-US" baseline="0" dirty="0" smtClean="0"/>
+              <a:t> </a:t>
+            </a:r>
+            <a:r>
+              <a:rPr lang="en-US" baseline="0" dirty="0" err="1" smtClean="0"/>
+              <a:t>respectivamente</a:t>
+            </a:r>
+            <a:r>
+              <a:rPr lang="en-US" baseline="0" dirty="0" smtClean="0"/>
+              <a:t>.</a:t>
+            </a:r>
+          </a:p>
+          <a:p>
+            <a:endParaRPr lang="es-AR" dirty="0"/>
+          </a:p>
+        </p:txBody>
+      </p:sp>
+      <p:sp>
+        <p:nvSpPr>
+          <p:cNvPr id="4" name="Slide Number Placeholder 3"/>
+          <p:cNvSpPr>
+            <a:spLocks noGrp="1"/>
+          </p:cNvSpPr>
+          <p:nvPr>
+            <p:ph type="sldNum" sz="quarter" idx="10"/>
+          </p:nvPr>
+        </p:nvSpPr>
+        <p:spPr/>
+        <p:txBody>
+          <a:bodyPr/>
+          <a:lstStyle/>
+          <a:p>
+            <a:fld id="{7D61118C-0B68-45A8-8791-420E0DB4DDEA}" type="slidenum">
+              <a:rPr lang="es-AR" smtClean="0"/>
+              <a:t>4</a:t>
+            </a:fld>
+            <a:endParaRPr lang="es-AR"/>
+          </a:p>
+        </p:txBody>
+      </p:sp>
+    </p:spTree>
+    <p:extLst>
+      <p:ext uri="{BB962C8B-B14F-4D97-AF65-F5344CB8AC3E}">
+        <p14:creationId xmlns:p14="http://schemas.microsoft.com/office/powerpoint/2010/main" val="1779408695"/>
+      </p:ext>
+    </p:extLst>
+  </p:cSld>
+  <p:clrMapOvr>
+    <a:masterClrMapping/>
+  </p:clrMapOvr>
+</p:notes>
+</file>
+
+<file path=ppt/notesSlides/notesSlide5.xml><?xml version="1.0" encoding="utf-8"?>
+<p:notes xmlns:a="http://schemas.openxmlformats.org/drawingml/2006/main" xmlns:r="http://schemas.openxmlformats.org/officeDocument/2006/relationships" xmlns:p="http://schemas.openxmlformats.org/presentationml/2006/main">
+  <p:cSld>
+    <p:spTree>
+      <p:nvGrpSpPr>
+        <p:cNvPr id="1" name=""/>
+        <p:cNvGrpSpPr/>
+        <p:nvPr/>
+      </p:nvGrpSpPr>
+      <p:grpSpPr>
+        <a:xfrm>
+          <a:off x="0" y="0"/>
+          <a:ext cx="0" cy="0"/>
+          <a:chOff x="0" y="0"/>
+          <a:chExt cx="0" cy="0"/>
+        </a:xfrm>
+      </p:grpSpPr>
+      <p:sp>
+        <p:nvSpPr>
+          <p:cNvPr id="2" name="Slide Image Placeholder 1"/>
+          <p:cNvSpPr>
+            <a:spLocks noGrp="1" noRot="1" noChangeAspect="1"/>
+          </p:cNvSpPr>
+          <p:nvPr>
+            <p:ph type="sldImg"/>
+          </p:nvPr>
+        </p:nvSpPr>
+        <p:spPr/>
+      </p:sp>
+      <p:sp>
+        <p:nvSpPr>
+          <p:cNvPr id="3" name="Notes Placeholder 2"/>
+          <p:cNvSpPr>
+            <a:spLocks noGrp="1"/>
+          </p:cNvSpPr>
+          <p:nvPr>
+            <p:ph type="body" idx="1"/>
+          </p:nvPr>
+        </p:nvSpPr>
+        <p:spPr/>
+        <p:txBody>
+          <a:bodyPr/>
+          <a:lstStyle/>
+          <a:p>
+            <a:r>
+              <a:rPr lang="en-US" dirty="0" err="1" smtClean="0"/>
+              <a:t>Otra</a:t>
+            </a:r>
+            <a:r>
+              <a:rPr lang="en-US" dirty="0" smtClean="0"/>
+              <a:t> </a:t>
+            </a:r>
+            <a:r>
+              <a:rPr lang="en-US" dirty="0" err="1" smtClean="0"/>
+              <a:t>opcion</a:t>
+            </a:r>
+            <a:r>
+              <a:rPr lang="en-US" baseline="0" dirty="0" smtClean="0"/>
+              <a:t> </a:t>
+            </a:r>
+            <a:r>
+              <a:rPr lang="en-US" baseline="0" dirty="0" err="1" smtClean="0"/>
+              <a:t>es</a:t>
+            </a:r>
+            <a:r>
+              <a:rPr lang="en-US" baseline="0" dirty="0" smtClean="0"/>
+              <a:t> </a:t>
+            </a:r>
+            <a:r>
+              <a:rPr lang="en-US" baseline="0" dirty="0" err="1" smtClean="0"/>
+              <a:t>usar</a:t>
+            </a:r>
+            <a:r>
+              <a:rPr lang="en-US" baseline="0" dirty="0" smtClean="0"/>
+              <a:t> </a:t>
+            </a:r>
+            <a:r>
+              <a:rPr lang="en-US" baseline="0" dirty="0" err="1" smtClean="0"/>
+              <a:t>una</a:t>
+            </a:r>
+            <a:r>
+              <a:rPr lang="en-US" baseline="0" dirty="0" smtClean="0"/>
+              <a:t> function </a:t>
+            </a:r>
+            <a:r>
+              <a:rPr lang="en-US" baseline="0" dirty="0" err="1" smtClean="0"/>
+              <a:t>como</a:t>
+            </a:r>
+            <a:r>
+              <a:rPr lang="en-US" baseline="0" dirty="0" smtClean="0"/>
+              <a:t> </a:t>
+            </a:r>
+            <a:r>
+              <a:rPr lang="en-US" baseline="0" dirty="0" err="1" smtClean="0"/>
+              <a:t>criterio</a:t>
+            </a:r>
+            <a:r>
+              <a:rPr lang="en-US" baseline="0" dirty="0" smtClean="0"/>
+              <a:t> de </a:t>
+            </a:r>
+            <a:r>
+              <a:rPr lang="en-US" baseline="0" dirty="0" err="1" smtClean="0"/>
+              <a:t>filtrado</a:t>
+            </a:r>
+            <a:r>
+              <a:rPr lang="en-US" baseline="0" dirty="0" smtClean="0"/>
+              <a:t>. La function </a:t>
+            </a:r>
+            <a:r>
+              <a:rPr lang="en-US" baseline="0" dirty="0" err="1" smtClean="0"/>
+              <a:t>recibe</a:t>
+            </a:r>
+            <a:r>
+              <a:rPr lang="en-US" baseline="0" dirty="0" smtClean="0"/>
+              <a:t> </a:t>
+            </a:r>
+            <a:r>
+              <a:rPr lang="en-US" baseline="0" dirty="0" err="1" smtClean="0"/>
+              <a:t>por</a:t>
+            </a:r>
+            <a:r>
+              <a:rPr lang="en-US" baseline="0" dirty="0" smtClean="0"/>
+              <a:t> </a:t>
+            </a:r>
+            <a:r>
+              <a:rPr lang="en-US" baseline="0" dirty="0" err="1" smtClean="0"/>
+              <a:t>parametro</a:t>
+            </a:r>
+            <a:r>
+              <a:rPr lang="en-US" baseline="0" dirty="0" smtClean="0"/>
+              <a:t> el element </a:t>
+            </a:r>
+            <a:r>
+              <a:rPr lang="en-US" baseline="0" dirty="0" err="1" smtClean="0"/>
+              <a:t>que</a:t>
+            </a:r>
+            <a:r>
+              <a:rPr lang="en-US" baseline="0" dirty="0" smtClean="0"/>
+              <a:t> </a:t>
+            </a:r>
+            <a:r>
+              <a:rPr lang="en-US" baseline="0" dirty="0" err="1" smtClean="0"/>
+              <a:t>esta</a:t>
+            </a:r>
+            <a:r>
+              <a:rPr lang="en-US" baseline="0" dirty="0" smtClean="0"/>
+              <a:t> </a:t>
+            </a:r>
+            <a:r>
+              <a:rPr lang="en-US" baseline="0" dirty="0" err="1" smtClean="0"/>
+              <a:t>iterando</a:t>
+            </a:r>
+            <a:r>
+              <a:rPr lang="en-US" baseline="0" dirty="0" smtClean="0"/>
+              <a:t> y </a:t>
+            </a:r>
+            <a:r>
+              <a:rPr lang="en-US" baseline="0" dirty="0" err="1" smtClean="0"/>
+              <a:t>devuelve</a:t>
+            </a:r>
+            <a:r>
+              <a:rPr lang="en-US" baseline="0" dirty="0" smtClean="0"/>
+              <a:t> true o false </a:t>
+            </a:r>
+            <a:r>
+              <a:rPr lang="en-US" baseline="0" dirty="0" err="1" smtClean="0"/>
+              <a:t>segun</a:t>
+            </a:r>
+            <a:r>
+              <a:rPr lang="en-US" baseline="0" dirty="0" smtClean="0"/>
+              <a:t> se </a:t>
+            </a:r>
+            <a:r>
+              <a:rPr lang="en-US" baseline="0" dirty="0" err="1" smtClean="0"/>
+              <a:t>quiera</a:t>
+            </a:r>
+            <a:r>
+              <a:rPr lang="en-US" baseline="0" dirty="0" smtClean="0"/>
+              <a:t> </a:t>
+            </a:r>
+            <a:r>
+              <a:rPr lang="en-US" baseline="0" dirty="0" err="1" smtClean="0"/>
+              <a:t>conservar</a:t>
+            </a:r>
+            <a:r>
+              <a:rPr lang="en-US" baseline="0" dirty="0" smtClean="0"/>
+              <a:t> el </a:t>
+            </a:r>
+            <a:r>
+              <a:rPr lang="en-US" baseline="0" dirty="0" err="1" smtClean="0"/>
+              <a:t>elemento</a:t>
+            </a:r>
+            <a:r>
+              <a:rPr lang="en-US" baseline="0" dirty="0" smtClean="0"/>
+              <a:t> o no.</a:t>
+            </a:r>
+          </a:p>
+          <a:p>
+            <a:r>
+              <a:rPr lang="en-US" baseline="0" dirty="0" err="1" smtClean="0"/>
+              <a:t>En</a:t>
+            </a:r>
+            <a:r>
+              <a:rPr lang="en-US" baseline="0" dirty="0" smtClean="0"/>
+              <a:t> </a:t>
+            </a:r>
+            <a:r>
+              <a:rPr lang="en-US" baseline="0" dirty="0" err="1" smtClean="0"/>
+              <a:t>este</a:t>
+            </a:r>
+            <a:r>
+              <a:rPr lang="en-US" baseline="0" dirty="0" smtClean="0"/>
+              <a:t> </a:t>
+            </a:r>
+            <a:r>
+              <a:rPr lang="en-US" baseline="0" dirty="0" err="1" smtClean="0"/>
+              <a:t>ejemplo</a:t>
+            </a:r>
+            <a:r>
+              <a:rPr lang="en-US" baseline="0" dirty="0" smtClean="0"/>
+              <a:t> se </a:t>
+            </a:r>
+            <a:r>
+              <a:rPr lang="en-US" baseline="0" dirty="0" err="1" smtClean="0"/>
+              <a:t>filtran</a:t>
+            </a:r>
+            <a:r>
+              <a:rPr lang="en-US" baseline="0" dirty="0" smtClean="0"/>
+              <a:t> </a:t>
+            </a:r>
+            <a:r>
+              <a:rPr lang="en-US" baseline="0" dirty="0" err="1" smtClean="0"/>
+              <a:t>dejando</a:t>
+            </a:r>
+            <a:r>
+              <a:rPr lang="en-US" baseline="0" dirty="0" smtClean="0"/>
+              <a:t> solo </a:t>
+            </a:r>
+            <a:r>
+              <a:rPr lang="en-US" baseline="0" dirty="0" err="1" smtClean="0"/>
+              <a:t>aquellos</a:t>
+            </a:r>
+            <a:r>
+              <a:rPr lang="en-US" baseline="0" dirty="0" smtClean="0"/>
+              <a:t> </a:t>
+            </a:r>
+            <a:r>
+              <a:rPr lang="en-US" baseline="0" dirty="0" err="1" smtClean="0"/>
+              <a:t>libros</a:t>
+            </a:r>
+            <a:r>
+              <a:rPr lang="en-US" baseline="0" dirty="0" smtClean="0"/>
+              <a:t> </a:t>
+            </a:r>
+            <a:r>
+              <a:rPr lang="en-US" baseline="0" dirty="0" err="1" smtClean="0"/>
+              <a:t>que</a:t>
+            </a:r>
+            <a:r>
+              <a:rPr lang="en-US" baseline="0" dirty="0" smtClean="0"/>
+              <a:t> </a:t>
+            </a:r>
+            <a:r>
+              <a:rPr lang="en-US" baseline="0" dirty="0" err="1" smtClean="0"/>
+              <a:t>tienen</a:t>
+            </a:r>
+            <a:r>
+              <a:rPr lang="en-US" baseline="0" dirty="0" smtClean="0"/>
+              <a:t> </a:t>
+            </a:r>
+            <a:r>
+              <a:rPr lang="en-US" baseline="0" dirty="0" err="1" smtClean="0"/>
+              <a:t>definida</a:t>
+            </a:r>
+            <a:r>
+              <a:rPr lang="en-US" baseline="0" dirty="0" smtClean="0"/>
+              <a:t> la </a:t>
+            </a:r>
+            <a:r>
+              <a:rPr lang="en-US" baseline="0" dirty="0" err="1" smtClean="0"/>
+              <a:t>propiedad</a:t>
+            </a:r>
+            <a:r>
+              <a:rPr lang="en-US" baseline="0" dirty="0" smtClean="0"/>
+              <a:t> </a:t>
+            </a:r>
+            <a:r>
+              <a:rPr lang="en-US" baseline="0" dirty="0" err="1" smtClean="0"/>
+              <a:t>genero</a:t>
+            </a:r>
+            <a:r>
+              <a:rPr lang="en-US" baseline="0" dirty="0" smtClean="0"/>
+              <a:t>.</a:t>
+            </a:r>
+            <a:endParaRPr lang="es-AR" dirty="0" smtClean="0"/>
+          </a:p>
+          <a:p>
+            <a:endParaRPr lang="es-AR" dirty="0"/>
+          </a:p>
+        </p:txBody>
+      </p:sp>
+      <p:sp>
+        <p:nvSpPr>
+          <p:cNvPr id="4" name="Slide Number Placeholder 3"/>
+          <p:cNvSpPr>
+            <a:spLocks noGrp="1"/>
+          </p:cNvSpPr>
+          <p:nvPr>
+            <p:ph type="sldNum" sz="quarter" idx="10"/>
+          </p:nvPr>
+        </p:nvSpPr>
+        <p:spPr/>
+        <p:txBody>
+          <a:bodyPr/>
+          <a:lstStyle/>
+          <a:p>
+            <a:fld id="{7D61118C-0B68-45A8-8791-420E0DB4DDEA}" type="slidenum">
+              <a:rPr lang="es-AR" smtClean="0"/>
+              <a:t>5</a:t>
+            </a:fld>
+            <a:endParaRPr lang="es-AR"/>
+          </a:p>
+        </p:txBody>
+      </p:sp>
+    </p:spTree>
+    <p:extLst>
+      <p:ext uri="{BB962C8B-B14F-4D97-AF65-F5344CB8AC3E}">
+        <p14:creationId xmlns:p14="http://schemas.microsoft.com/office/powerpoint/2010/main" val="2483286621"/>
+      </p:ext>
+    </p:extLst>
+  </p:cSld>
+  <p:clrMapOvr>
+    <a:masterClrMapping/>
+  </p:clrMapOvr>
+</p:notes>
+</file>
+
+<file path=ppt/notesSlides/notesSlide6.xml><?xml version="1.0" encoding="utf-8"?>
+<p:notes xmlns:a="http://schemas.openxmlformats.org/drawingml/2006/main" xmlns:r="http://schemas.openxmlformats.org/officeDocument/2006/relationships" xmlns:p="http://schemas.openxmlformats.org/presentationml/2006/main">
+  <p:cSld>
+    <p:spTree>
+      <p:nvGrpSpPr>
+        <p:cNvPr id="1" name=""/>
+        <p:cNvGrpSpPr/>
+        <p:nvPr/>
+      </p:nvGrpSpPr>
+      <p:grpSpPr>
+        <a:xfrm>
+          <a:off x="0" y="0"/>
+          <a:ext cx="0" cy="0"/>
+          <a:chOff x="0" y="0"/>
+          <a:chExt cx="0" cy="0"/>
+        </a:xfrm>
+      </p:grpSpPr>
+      <p:sp>
+        <p:nvSpPr>
+          <p:cNvPr id="2" name="Slide Image Placeholder 1"/>
+          <p:cNvSpPr>
+            <a:spLocks noGrp="1" noRot="1" noChangeAspect="1"/>
+          </p:cNvSpPr>
+          <p:nvPr>
+            <p:ph type="sldImg"/>
+          </p:nvPr>
+        </p:nvSpPr>
+        <p:spPr/>
+      </p:sp>
+      <p:sp>
+        <p:nvSpPr>
+          <p:cNvPr id="3" name="Notes Placeholder 2"/>
+          <p:cNvSpPr>
+            <a:spLocks noGrp="1"/>
+          </p:cNvSpPr>
+          <p:nvPr>
+            <p:ph type="body" idx="1"/>
+          </p:nvPr>
+        </p:nvSpPr>
+        <p:spPr/>
+        <p:txBody>
+          <a:bodyPr/>
+          <a:lstStyle/>
+          <a:p>
+            <a:r>
+              <a:rPr lang="en-US" dirty="0" err="1" smtClean="0"/>
+              <a:t>Otro</a:t>
+            </a:r>
+            <a:r>
+              <a:rPr lang="en-US" dirty="0" smtClean="0"/>
+              <a:t> </a:t>
+            </a:r>
+            <a:r>
+              <a:rPr lang="en-US" dirty="0" err="1" smtClean="0"/>
+              <a:t>filtro</a:t>
+            </a:r>
+            <a:r>
+              <a:rPr lang="en-US" dirty="0" smtClean="0"/>
+              <a:t> </a:t>
+            </a:r>
+            <a:r>
+              <a:rPr lang="en-US" dirty="0" err="1" smtClean="0"/>
+              <a:t>muy</a:t>
+            </a:r>
+            <a:r>
+              <a:rPr lang="en-US" dirty="0" smtClean="0"/>
+              <a:t> </a:t>
+            </a:r>
+            <a:r>
+              <a:rPr lang="en-US" dirty="0" err="1" smtClean="0"/>
+              <a:t>usado</a:t>
+            </a:r>
+            <a:r>
+              <a:rPr lang="en-US" dirty="0" smtClean="0"/>
+              <a:t> </a:t>
+            </a:r>
+            <a:r>
+              <a:rPr lang="en-US" dirty="0" err="1" smtClean="0"/>
+              <a:t>es</a:t>
+            </a:r>
+            <a:r>
+              <a:rPr lang="en-US" dirty="0" smtClean="0"/>
+              <a:t> el de </a:t>
+            </a:r>
+            <a:r>
+              <a:rPr lang="en-US" dirty="0" err="1" smtClean="0"/>
+              <a:t>orderBy</a:t>
+            </a:r>
+            <a:r>
+              <a:rPr lang="en-US" dirty="0" smtClean="0"/>
+              <a:t>.</a:t>
+            </a:r>
+          </a:p>
+          <a:p>
+            <a:r>
+              <a:rPr lang="en-US" dirty="0" err="1" smtClean="0"/>
+              <a:t>Ordena</a:t>
+            </a:r>
+            <a:r>
+              <a:rPr lang="en-US" dirty="0" smtClean="0"/>
+              <a:t> los </a:t>
+            </a:r>
+            <a:r>
+              <a:rPr lang="en-US" dirty="0" err="1" smtClean="0"/>
+              <a:t>valores</a:t>
+            </a:r>
+            <a:r>
+              <a:rPr lang="en-US" dirty="0" smtClean="0"/>
+              <a:t> de la </a:t>
+            </a:r>
+            <a:r>
+              <a:rPr lang="en-US" dirty="0" err="1" smtClean="0"/>
+              <a:t>coleccion</a:t>
+            </a:r>
+            <a:r>
+              <a:rPr lang="en-US" dirty="0" smtClean="0"/>
+              <a:t>, </a:t>
+            </a:r>
+            <a:r>
+              <a:rPr lang="en-US" dirty="0" err="1" smtClean="0"/>
+              <a:t>en</a:t>
+            </a:r>
+            <a:r>
+              <a:rPr lang="en-US" dirty="0" smtClean="0"/>
+              <a:t> base</a:t>
+            </a:r>
+            <a:r>
+              <a:rPr lang="en-US" baseline="0" dirty="0" smtClean="0"/>
+              <a:t> a la </a:t>
+            </a:r>
+            <a:r>
+              <a:rPr lang="en-US" baseline="0" dirty="0" err="1" smtClean="0"/>
+              <a:t>propiedad</a:t>
+            </a:r>
+            <a:r>
+              <a:rPr lang="en-US" baseline="0" dirty="0" smtClean="0"/>
+              <a:t> </a:t>
+            </a:r>
+            <a:r>
+              <a:rPr lang="en-US" baseline="0" dirty="0" err="1" smtClean="0"/>
+              <a:t>que</a:t>
+            </a:r>
+            <a:r>
+              <a:rPr lang="en-US" baseline="0" dirty="0" smtClean="0"/>
+              <a:t> se le </a:t>
+            </a:r>
+            <a:r>
+              <a:rPr lang="en-US" baseline="0" dirty="0" err="1" smtClean="0"/>
+              <a:t>pasa</a:t>
+            </a:r>
+            <a:r>
+              <a:rPr lang="en-US" baseline="0" dirty="0" smtClean="0"/>
+              <a:t> </a:t>
+            </a:r>
+            <a:r>
+              <a:rPr lang="en-US" baseline="0" dirty="0" err="1" smtClean="0"/>
+              <a:t>por</a:t>
+            </a:r>
+            <a:r>
+              <a:rPr lang="en-US" baseline="0" dirty="0" smtClean="0"/>
+              <a:t> </a:t>
+            </a:r>
+            <a:r>
+              <a:rPr lang="en-US" baseline="0" dirty="0" err="1" smtClean="0"/>
+              <a:t>parametro</a:t>
+            </a:r>
+            <a:r>
+              <a:rPr lang="en-US" baseline="0" dirty="0" smtClean="0"/>
+              <a:t> y el </a:t>
+            </a:r>
+            <a:r>
+              <a:rPr lang="en-US" baseline="0" dirty="0" err="1" smtClean="0"/>
+              <a:t>orden</a:t>
+            </a:r>
+            <a:r>
+              <a:rPr lang="en-US" baseline="0" dirty="0" smtClean="0"/>
+              <a:t>: true para </a:t>
+            </a:r>
+            <a:r>
+              <a:rPr lang="en-US" baseline="0" dirty="0" err="1" smtClean="0"/>
+              <a:t>ascendente</a:t>
+            </a:r>
+            <a:r>
+              <a:rPr lang="en-US" baseline="0" dirty="0" smtClean="0"/>
+              <a:t>, false para </a:t>
+            </a:r>
+            <a:r>
+              <a:rPr lang="en-US" baseline="0" dirty="0" err="1" smtClean="0"/>
+              <a:t>descendente</a:t>
+            </a:r>
+            <a:r>
+              <a:rPr lang="en-US" baseline="0" dirty="0" smtClean="0"/>
+              <a:t>.</a:t>
+            </a:r>
+            <a:endParaRPr lang="es-AR" dirty="0" smtClean="0"/>
+          </a:p>
+          <a:p>
+            <a:endParaRPr lang="es-AR" dirty="0"/>
+          </a:p>
+        </p:txBody>
+      </p:sp>
+      <p:sp>
+        <p:nvSpPr>
+          <p:cNvPr id="4" name="Slide Number Placeholder 3"/>
+          <p:cNvSpPr>
+            <a:spLocks noGrp="1"/>
+          </p:cNvSpPr>
+          <p:nvPr>
+            <p:ph type="sldNum" sz="quarter" idx="10"/>
+          </p:nvPr>
+        </p:nvSpPr>
+        <p:spPr/>
+        <p:txBody>
+          <a:bodyPr/>
+          <a:lstStyle/>
+          <a:p>
+            <a:fld id="{7D61118C-0B68-45A8-8791-420E0DB4DDEA}" type="slidenum">
+              <a:rPr lang="es-AR" smtClean="0"/>
+              <a:t>6</a:t>
+            </a:fld>
+            <a:endParaRPr lang="es-AR"/>
+          </a:p>
+        </p:txBody>
+      </p:sp>
+    </p:spTree>
+    <p:extLst>
+      <p:ext uri="{BB962C8B-B14F-4D97-AF65-F5344CB8AC3E}">
+        <p14:creationId xmlns:p14="http://schemas.microsoft.com/office/powerpoint/2010/main" val="919916111"/>
+      </p:ext>
+    </p:extLst>
+  </p:cSld>
+  <p:clrMapOvr>
+    <a:masterClrMapping/>
+  </p:clrMapOvr>
+</p:notes>
+</file>
+
+<file path=ppt/notesSlides/notesSlide7.xml><?xml version="1.0" encoding="utf-8"?>
+<p:notes xmlns:a="http://schemas.openxmlformats.org/drawingml/2006/main" xmlns:r="http://schemas.openxmlformats.org/officeDocument/2006/relationships" xmlns:p="http://schemas.openxmlformats.org/presentationml/2006/main">
+  <p:cSld>
+    <p:spTree>
+      <p:nvGrpSpPr>
+        <p:cNvPr id="1" name=""/>
+        <p:cNvGrpSpPr/>
+        <p:nvPr/>
+      </p:nvGrpSpPr>
+      <p:grpSpPr>
+        <a:xfrm>
+          <a:off x="0" y="0"/>
+          <a:ext cx="0" cy="0"/>
+          <a:chOff x="0" y="0"/>
+          <a:chExt cx="0" cy="0"/>
+        </a:xfrm>
+      </p:grpSpPr>
+      <p:sp>
+        <p:nvSpPr>
+          <p:cNvPr id="2" name="Slide Image Placeholder 1"/>
+          <p:cNvSpPr>
+            <a:spLocks noGrp="1" noRot="1" noChangeAspect="1"/>
+          </p:cNvSpPr>
+          <p:nvPr>
+            <p:ph type="sldImg"/>
+          </p:nvPr>
+        </p:nvSpPr>
+        <p:spPr/>
+      </p:sp>
+      <p:sp>
+        <p:nvSpPr>
+          <p:cNvPr id="3" name="Notes Placeholder 2"/>
+          <p:cNvSpPr>
+            <a:spLocks noGrp="1"/>
+          </p:cNvSpPr>
+          <p:nvPr>
+            <p:ph type="body" idx="1"/>
+          </p:nvPr>
+        </p:nvSpPr>
+        <p:spPr/>
+        <p:txBody>
+          <a:bodyPr/>
+          <a:lstStyle/>
+          <a:p>
+            <a:pPr marL="0" marR="0" indent="0" algn="l" defTabSz="914400" rtl="0" eaLnBrk="1" fontAlgn="auto" latinLnBrk="0" hangingPunct="1">
+              <a:lnSpc>
+                <a:spcPct val="100000"/>
+              </a:lnSpc>
+              <a:spcBef>
+                <a:spcPts val="0"/>
+              </a:spcBef>
+              <a:spcAft>
+                <a:spcPts val="0"/>
+              </a:spcAft>
+              <a:buClrTx/>
+              <a:buSzTx/>
+              <a:buFontTx/>
+              <a:buNone/>
+              <a:tabLst/>
+              <a:defRPr/>
+            </a:pPr>
+            <a:r>
+              <a:rPr lang="en-US" dirty="0" err="1" smtClean="0"/>
+              <a:t>Aplicado</a:t>
+            </a:r>
+            <a:r>
+              <a:rPr lang="en-US" dirty="0" smtClean="0"/>
+              <a:t> a </a:t>
+            </a:r>
+            <a:r>
+              <a:rPr lang="en-US" dirty="0" err="1" smtClean="0"/>
+              <a:t>nuestro</a:t>
+            </a:r>
+            <a:r>
+              <a:rPr lang="en-US" dirty="0" smtClean="0"/>
+              <a:t> </a:t>
+            </a:r>
+            <a:r>
+              <a:rPr lang="en-US" dirty="0" err="1" smtClean="0"/>
+              <a:t>ejemplo</a:t>
+            </a:r>
+            <a:r>
+              <a:rPr lang="en-US" dirty="0" smtClean="0"/>
+              <a:t> </a:t>
+            </a:r>
+            <a:r>
+              <a:rPr lang="en-US" dirty="0" err="1" smtClean="0"/>
+              <a:t>vemos</a:t>
+            </a:r>
+            <a:r>
+              <a:rPr lang="en-US" dirty="0" smtClean="0"/>
+              <a:t> </a:t>
+            </a:r>
+            <a:r>
+              <a:rPr lang="en-US" dirty="0" err="1" smtClean="0"/>
+              <a:t>que</a:t>
+            </a:r>
+            <a:r>
+              <a:rPr lang="en-US" dirty="0" smtClean="0"/>
+              <a:t> </a:t>
+            </a:r>
+            <a:r>
+              <a:rPr lang="en-US" dirty="0" err="1" smtClean="0"/>
+              <a:t>ordenamos</a:t>
+            </a:r>
+            <a:r>
+              <a:rPr lang="en-US" dirty="0" smtClean="0"/>
+              <a:t> los</a:t>
+            </a:r>
+            <a:r>
+              <a:rPr lang="en-US" baseline="0" dirty="0" smtClean="0"/>
+              <a:t> </a:t>
+            </a:r>
+            <a:r>
+              <a:rPr lang="en-US" baseline="0" dirty="0" err="1" smtClean="0"/>
+              <a:t>libros</a:t>
+            </a:r>
+            <a:r>
+              <a:rPr lang="en-US" baseline="0" dirty="0" smtClean="0"/>
+              <a:t> </a:t>
+            </a:r>
+            <a:r>
+              <a:rPr lang="en-US" baseline="0" dirty="0" err="1" smtClean="0"/>
+              <a:t>en</a:t>
+            </a:r>
+            <a:r>
+              <a:rPr lang="en-US" baseline="0" dirty="0" smtClean="0"/>
+              <a:t> base a la </a:t>
+            </a:r>
+            <a:r>
+              <a:rPr lang="en-US" baseline="0" dirty="0" err="1" smtClean="0"/>
+              <a:t>propiedad</a:t>
+            </a:r>
+            <a:r>
+              <a:rPr lang="en-US" baseline="0" dirty="0" smtClean="0"/>
+              <a:t> </a:t>
+            </a:r>
+            <a:r>
+              <a:rPr lang="en-US" baseline="0" dirty="0" err="1" smtClean="0"/>
+              <a:t>que</a:t>
+            </a:r>
+            <a:r>
+              <a:rPr lang="en-US" baseline="0" dirty="0" smtClean="0"/>
+              <a:t> </a:t>
+            </a:r>
+            <a:r>
+              <a:rPr lang="en-US" baseline="0" dirty="0" err="1" smtClean="0"/>
+              <a:t>elegimos</a:t>
+            </a:r>
+            <a:r>
+              <a:rPr lang="en-US" baseline="0" dirty="0" smtClean="0"/>
+              <a:t> </a:t>
+            </a:r>
+            <a:r>
+              <a:rPr lang="en-US" baseline="0" dirty="0" err="1" smtClean="0"/>
+              <a:t>en</a:t>
+            </a:r>
+            <a:r>
+              <a:rPr lang="en-US" baseline="0" dirty="0" smtClean="0"/>
+              <a:t> el combo y la </a:t>
+            </a:r>
+            <a:r>
+              <a:rPr lang="en-US" baseline="0" dirty="0" err="1" smtClean="0"/>
+              <a:t>direccion</a:t>
+            </a:r>
+            <a:r>
+              <a:rPr lang="en-US" baseline="0" dirty="0" smtClean="0"/>
+              <a:t> </a:t>
+            </a:r>
+            <a:r>
+              <a:rPr lang="en-US" baseline="0" dirty="0" err="1" smtClean="0"/>
+              <a:t>segun</a:t>
+            </a:r>
+            <a:r>
+              <a:rPr lang="en-US" baseline="0" dirty="0" smtClean="0"/>
+              <a:t> el valor del checkbox</a:t>
+            </a:r>
+            <a:endParaRPr lang="es-AR" dirty="0" smtClean="0"/>
+          </a:p>
+          <a:p>
+            <a:endParaRPr lang="es-AR" dirty="0"/>
+          </a:p>
+        </p:txBody>
+      </p:sp>
+      <p:sp>
+        <p:nvSpPr>
+          <p:cNvPr id="4" name="Slide Number Placeholder 3"/>
+          <p:cNvSpPr>
+            <a:spLocks noGrp="1"/>
+          </p:cNvSpPr>
+          <p:nvPr>
+            <p:ph type="sldNum" sz="quarter" idx="10"/>
+          </p:nvPr>
+        </p:nvSpPr>
+        <p:spPr/>
+        <p:txBody>
+          <a:bodyPr/>
+          <a:lstStyle/>
+          <a:p>
+            <a:fld id="{7D61118C-0B68-45A8-8791-420E0DB4DDEA}" type="slidenum">
+              <a:rPr lang="es-AR" smtClean="0"/>
+              <a:t>7</a:t>
+            </a:fld>
+            <a:endParaRPr lang="es-AR"/>
+          </a:p>
+        </p:txBody>
+      </p:sp>
+    </p:spTree>
+    <p:extLst>
+      <p:ext uri="{BB962C8B-B14F-4D97-AF65-F5344CB8AC3E}">
+        <p14:creationId xmlns:p14="http://schemas.microsoft.com/office/powerpoint/2010/main" val="1105638123"/>
+      </p:ext>
+    </p:extLst>
+  </p:cSld>
+  <p:clrMapOvr>
+    <a:masterClrMapping/>
+  </p:clrMapOvr>
+</p:notes>
+</file>
+
+<file path=ppt/notesSlides/notesSlide8.xml><?xml version="1.0" encoding="utf-8"?>
+<p:notes xmlns:a="http://schemas.openxmlformats.org/drawingml/2006/main" xmlns:r="http://schemas.openxmlformats.org/officeDocument/2006/relationships" xmlns:p="http://schemas.openxmlformats.org/presentationml/2006/main">
+  <p:cSld>
+    <p:spTree>
+      <p:nvGrpSpPr>
+        <p:cNvPr id="1" name=""/>
+        <p:cNvGrpSpPr/>
+        <p:nvPr/>
+      </p:nvGrpSpPr>
+      <p:grpSpPr>
+        <a:xfrm>
+          <a:off x="0" y="0"/>
+          <a:ext cx="0" cy="0"/>
+          <a:chOff x="0" y="0"/>
+          <a:chExt cx="0" cy="0"/>
+        </a:xfrm>
+      </p:grpSpPr>
+      <p:sp>
+        <p:nvSpPr>
+          <p:cNvPr id="2" name="Slide Image Placeholder 1"/>
+          <p:cNvSpPr>
+            <a:spLocks noGrp="1" noRot="1" noChangeAspect="1"/>
+          </p:cNvSpPr>
+          <p:nvPr>
+            <p:ph type="sldImg"/>
+          </p:nvPr>
+        </p:nvSpPr>
+        <p:spPr/>
+      </p:sp>
+      <p:sp>
+        <p:nvSpPr>
+          <p:cNvPr id="3" name="Notes Placeholder 2"/>
+          <p:cNvSpPr>
+            <a:spLocks noGrp="1"/>
+          </p:cNvSpPr>
+          <p:nvPr>
+            <p:ph type="body" idx="1"/>
+          </p:nvPr>
+        </p:nvSpPr>
+        <p:spPr/>
+        <p:txBody>
+          <a:bodyPr/>
+          <a:lstStyle/>
+          <a:p>
+            <a:r>
+              <a:rPr lang="en-US" dirty="0" err="1" smtClean="0"/>
+              <a:t>Desde</a:t>
+            </a:r>
+            <a:r>
+              <a:rPr lang="en-US" dirty="0" smtClean="0"/>
+              <a:t> </a:t>
+            </a:r>
+            <a:r>
+              <a:rPr lang="en-US" dirty="0" err="1" smtClean="0"/>
+              <a:t>nuestro</a:t>
+            </a:r>
+            <a:r>
+              <a:rPr lang="en-US" dirty="0" smtClean="0"/>
+              <a:t> </a:t>
+            </a:r>
+            <a:r>
+              <a:rPr lang="en-US" dirty="0" err="1" smtClean="0"/>
+              <a:t>codigo</a:t>
+            </a:r>
+            <a:r>
+              <a:rPr lang="en-US" dirty="0" smtClean="0"/>
+              <a:t> </a:t>
+            </a:r>
+            <a:r>
+              <a:rPr lang="en-US" dirty="0" err="1" smtClean="0"/>
+              <a:t>javascript</a:t>
+            </a:r>
+            <a:r>
+              <a:rPr lang="en-US" dirty="0" smtClean="0"/>
+              <a:t> </a:t>
+            </a:r>
+            <a:r>
+              <a:rPr lang="en-US" dirty="0" err="1" smtClean="0"/>
+              <a:t>tambien</a:t>
+            </a:r>
+            <a:r>
+              <a:rPr lang="en-US" dirty="0" smtClean="0"/>
+              <a:t> </a:t>
+            </a:r>
+            <a:r>
+              <a:rPr lang="en-US" dirty="0" err="1" smtClean="0"/>
+              <a:t>podemos</a:t>
+            </a:r>
+            <a:r>
+              <a:rPr lang="en-US" dirty="0" smtClean="0"/>
+              <a:t> </a:t>
+            </a:r>
+            <a:r>
+              <a:rPr lang="en-US" dirty="0" err="1" smtClean="0"/>
+              <a:t>aplicar</a:t>
+            </a:r>
+            <a:r>
+              <a:rPr lang="en-US" dirty="0" smtClean="0"/>
+              <a:t> los </a:t>
+            </a:r>
+            <a:r>
+              <a:rPr lang="en-US" dirty="0" err="1" smtClean="0"/>
+              <a:t>mismos</a:t>
+            </a:r>
+            <a:r>
+              <a:rPr lang="en-US" dirty="0" smtClean="0"/>
+              <a:t> </a:t>
+            </a:r>
+            <a:r>
+              <a:rPr lang="en-US" dirty="0" err="1" smtClean="0"/>
+              <a:t>filtros</a:t>
+            </a:r>
+            <a:r>
+              <a:rPr lang="en-US" dirty="0" smtClean="0"/>
+              <a:t> </a:t>
+            </a:r>
+            <a:r>
+              <a:rPr lang="en-US" dirty="0" err="1" smtClean="0"/>
+              <a:t>que</a:t>
+            </a:r>
+            <a:r>
+              <a:rPr lang="en-US" dirty="0" smtClean="0"/>
+              <a:t> </a:t>
+            </a:r>
+            <a:r>
+              <a:rPr lang="en-US" dirty="0" err="1" smtClean="0"/>
+              <a:t>en</a:t>
+            </a:r>
+            <a:r>
+              <a:rPr lang="en-US" dirty="0" smtClean="0"/>
+              <a:t> html.</a:t>
+            </a:r>
+          </a:p>
+          <a:p>
+            <a:r>
+              <a:rPr lang="en-US" dirty="0" smtClean="0"/>
+              <a:t>La </a:t>
+            </a:r>
+            <a:r>
+              <a:rPr lang="en-US" dirty="0" err="1" smtClean="0"/>
+              <a:t>sintaxis</a:t>
+            </a:r>
+            <a:r>
+              <a:rPr lang="en-US" baseline="0" dirty="0" smtClean="0"/>
+              <a:t> </a:t>
+            </a:r>
+            <a:r>
+              <a:rPr lang="en-US" baseline="0" dirty="0" err="1" smtClean="0"/>
+              <a:t>es</a:t>
+            </a:r>
+            <a:r>
+              <a:rPr lang="en-US" baseline="0" dirty="0" smtClean="0"/>
+              <a:t>:</a:t>
+            </a:r>
+          </a:p>
+          <a:p>
+            <a:r>
+              <a:rPr lang="en-US" baseline="0" dirty="0" smtClean="0"/>
+              <a:t>$filter </a:t>
+            </a:r>
+            <a:r>
+              <a:rPr lang="en-US" baseline="0" dirty="0" err="1" smtClean="0"/>
+              <a:t>pasando</a:t>
+            </a:r>
+            <a:r>
+              <a:rPr lang="en-US" baseline="0" dirty="0" smtClean="0"/>
+              <a:t> el </a:t>
+            </a:r>
+            <a:r>
+              <a:rPr lang="en-US" baseline="0" dirty="0" err="1" smtClean="0"/>
+              <a:t>nombre</a:t>
+            </a:r>
+            <a:r>
+              <a:rPr lang="en-US" baseline="0" dirty="0" smtClean="0"/>
+              <a:t> del </a:t>
+            </a:r>
+            <a:r>
+              <a:rPr lang="en-US" baseline="0" dirty="0" err="1" smtClean="0"/>
+              <a:t>filtro</a:t>
+            </a:r>
+            <a:r>
+              <a:rPr lang="en-US" baseline="0" dirty="0" smtClean="0"/>
+              <a:t> </a:t>
+            </a:r>
+            <a:r>
+              <a:rPr lang="en-US" baseline="0" dirty="0" err="1" smtClean="0"/>
+              <a:t>como</a:t>
+            </a:r>
+            <a:r>
+              <a:rPr lang="en-US" baseline="0" dirty="0" smtClean="0"/>
+              <a:t> </a:t>
+            </a:r>
+            <a:r>
+              <a:rPr lang="en-US" baseline="0" dirty="0" err="1" smtClean="0"/>
+              <a:t>parametro</a:t>
+            </a:r>
+            <a:r>
+              <a:rPr lang="en-US" baseline="0" dirty="0" smtClean="0"/>
+              <a:t> y los </a:t>
+            </a:r>
+            <a:r>
+              <a:rPr lang="en-US" baseline="0" dirty="0" err="1" smtClean="0"/>
+              <a:t>datos</a:t>
+            </a:r>
+            <a:r>
+              <a:rPr lang="en-US" baseline="0" dirty="0" smtClean="0"/>
+              <a:t> y </a:t>
+            </a:r>
+            <a:r>
+              <a:rPr lang="en-US" baseline="0" dirty="0" err="1" smtClean="0"/>
+              <a:t>parametros</a:t>
+            </a:r>
+            <a:r>
+              <a:rPr lang="en-US" baseline="0" dirty="0" smtClean="0"/>
+              <a:t> </a:t>
+            </a:r>
+            <a:r>
+              <a:rPr lang="en-US" baseline="0" dirty="0" err="1" smtClean="0"/>
+              <a:t>propios</a:t>
+            </a:r>
+            <a:r>
+              <a:rPr lang="en-US" baseline="0" dirty="0" smtClean="0"/>
+              <a:t> del </a:t>
+            </a:r>
+            <a:r>
+              <a:rPr lang="en-US" baseline="0" dirty="0" err="1" smtClean="0"/>
+              <a:t>filtro</a:t>
+            </a:r>
+            <a:r>
+              <a:rPr lang="en-US" baseline="0" dirty="0" smtClean="0"/>
+              <a:t>.</a:t>
+            </a:r>
+            <a:endParaRPr lang="es-AR" dirty="0" smtClean="0"/>
+          </a:p>
+          <a:p>
+            <a:endParaRPr lang="es-AR" dirty="0"/>
+          </a:p>
+        </p:txBody>
+      </p:sp>
+      <p:sp>
+        <p:nvSpPr>
+          <p:cNvPr id="4" name="Slide Number Placeholder 3"/>
+          <p:cNvSpPr>
+            <a:spLocks noGrp="1"/>
+          </p:cNvSpPr>
+          <p:nvPr>
+            <p:ph type="sldNum" sz="quarter" idx="10"/>
+          </p:nvPr>
+        </p:nvSpPr>
+        <p:spPr/>
+        <p:txBody>
+          <a:bodyPr/>
+          <a:lstStyle/>
+          <a:p>
+            <a:fld id="{7D61118C-0B68-45A8-8791-420E0DB4DDEA}" type="slidenum">
+              <a:rPr lang="es-AR" smtClean="0"/>
+              <a:t>8</a:t>
+            </a:fld>
+            <a:endParaRPr lang="es-AR"/>
+          </a:p>
+        </p:txBody>
+      </p:sp>
+    </p:spTree>
+    <p:extLst>
+      <p:ext uri="{BB962C8B-B14F-4D97-AF65-F5344CB8AC3E}">
+        <p14:creationId xmlns:p14="http://schemas.microsoft.com/office/powerpoint/2010/main" val="4152420523"/>
+      </p:ext>
+    </p:extLst>
+  </p:cSld>
+  <p:clrMapOvr>
+    <a:masterClrMapping/>
+  </p:clrMapOvr>
+</p:notes>
+</file>
+
+<file path=ppt/notesSlides/notesSlide9.xml><?xml version="1.0" encoding="utf-8"?>
+<p:notes xmlns:a="http://schemas.openxmlformats.org/drawingml/2006/main" xmlns:r="http://schemas.openxmlformats.org/officeDocument/2006/relationships" xmlns:p="http://schemas.openxmlformats.org/presentationml/2006/main">
+  <p:cSld>
+    <p:spTree>
+      <p:nvGrpSpPr>
+        <p:cNvPr id="1" name=""/>
+        <p:cNvGrpSpPr/>
+        <p:nvPr/>
+      </p:nvGrpSpPr>
+      <p:grpSpPr>
+        <a:xfrm>
+          <a:off x="0" y="0"/>
+          <a:ext cx="0" cy="0"/>
+          <a:chOff x="0" y="0"/>
+          <a:chExt cx="0" cy="0"/>
+        </a:xfrm>
+      </p:grpSpPr>
+      <p:sp>
+        <p:nvSpPr>
+          <p:cNvPr id="2" name="Slide Image Placeholder 1"/>
+          <p:cNvSpPr>
+            <a:spLocks noGrp="1" noRot="1" noChangeAspect="1"/>
+          </p:cNvSpPr>
+          <p:nvPr>
+            <p:ph type="sldImg"/>
+          </p:nvPr>
+        </p:nvSpPr>
+        <p:spPr/>
+      </p:sp>
+      <p:sp>
+        <p:nvSpPr>
+          <p:cNvPr id="3" name="Notes Placeholder 2"/>
+          <p:cNvSpPr>
+            <a:spLocks noGrp="1"/>
+          </p:cNvSpPr>
+          <p:nvPr>
+            <p:ph type="body" idx="1"/>
+          </p:nvPr>
+        </p:nvSpPr>
+        <p:spPr/>
+        <p:txBody>
+          <a:bodyPr/>
+          <a:lstStyle/>
+          <a:p>
+            <a:pPr marL="0" marR="0" indent="0" algn="l" defTabSz="914400" rtl="0" eaLnBrk="1" fontAlgn="auto" latinLnBrk="0" hangingPunct="1">
+              <a:lnSpc>
+                <a:spcPct val="100000"/>
+              </a:lnSpc>
+              <a:spcBef>
+                <a:spcPts val="0"/>
+              </a:spcBef>
+              <a:spcAft>
+                <a:spcPts val="0"/>
+              </a:spcAft>
+              <a:buClrTx/>
+              <a:buSzTx/>
+              <a:buFontTx/>
+              <a:buNone/>
+              <a:tabLst/>
+              <a:defRPr/>
+            </a:pPr>
+            <a:r>
+              <a:rPr lang="en-US" dirty="0" err="1" smtClean="0"/>
+              <a:t>Ejemplo</a:t>
+            </a:r>
+            <a:r>
+              <a:rPr lang="en-US" dirty="0" smtClean="0"/>
+              <a:t> de uppercase</a:t>
+            </a:r>
+            <a:r>
+              <a:rPr lang="en-US" baseline="0" dirty="0" smtClean="0"/>
+              <a:t> </a:t>
+            </a:r>
+            <a:r>
+              <a:rPr lang="en-US" baseline="0" dirty="0" err="1" smtClean="0"/>
+              <a:t>llamado</a:t>
+            </a:r>
+            <a:r>
+              <a:rPr lang="en-US" baseline="0" dirty="0" smtClean="0"/>
+              <a:t> </a:t>
+            </a:r>
+            <a:r>
+              <a:rPr lang="en-US" baseline="0" dirty="0" err="1" smtClean="0"/>
+              <a:t>desde</a:t>
+            </a:r>
+            <a:r>
+              <a:rPr lang="en-US" baseline="0" dirty="0" smtClean="0"/>
+              <a:t> un controller, </a:t>
+            </a:r>
+            <a:r>
+              <a:rPr lang="en-US" baseline="0" dirty="0" err="1" smtClean="0"/>
+              <a:t>por</a:t>
+            </a:r>
+            <a:r>
+              <a:rPr lang="en-US" baseline="0" dirty="0" smtClean="0"/>
+              <a:t> </a:t>
+            </a:r>
+            <a:r>
+              <a:rPr lang="en-US" baseline="0" dirty="0" err="1" smtClean="0"/>
+              <a:t>ejemplo</a:t>
+            </a:r>
+            <a:r>
+              <a:rPr lang="en-US" baseline="0" dirty="0" smtClean="0"/>
+              <a:t>.</a:t>
+            </a:r>
+            <a:endParaRPr lang="es-AR" dirty="0" smtClean="0"/>
+          </a:p>
+          <a:p>
+            <a:endParaRPr lang="es-AR" dirty="0"/>
+          </a:p>
+        </p:txBody>
+      </p:sp>
+      <p:sp>
+        <p:nvSpPr>
+          <p:cNvPr id="4" name="Slide Number Placeholder 3"/>
+          <p:cNvSpPr>
+            <a:spLocks noGrp="1"/>
+          </p:cNvSpPr>
+          <p:nvPr>
+            <p:ph type="sldNum" sz="quarter" idx="10"/>
+          </p:nvPr>
+        </p:nvSpPr>
+        <p:spPr/>
+        <p:txBody>
+          <a:bodyPr/>
+          <a:lstStyle/>
+          <a:p>
+            <a:fld id="{7D61118C-0B68-45A8-8791-420E0DB4DDEA}" type="slidenum">
+              <a:rPr lang="es-AR" smtClean="0"/>
+              <a:t>9</a:t>
+            </a:fld>
+            <a:endParaRPr lang="es-AR"/>
+          </a:p>
+        </p:txBody>
+      </p:sp>
+    </p:spTree>
+    <p:extLst>
+      <p:ext uri="{BB962C8B-B14F-4D97-AF65-F5344CB8AC3E}">
+        <p14:creationId xmlns:p14="http://schemas.microsoft.com/office/powerpoint/2010/main" val="2613991766"/>
       </p:ext>
     </p:extLst>
   </p:cSld>
@@ -7539,7 +11597,6 @@
               <a:rPr lang="en-US" dirty="0"/>
               <a:t>Filters</a:t>
             </a:r>
-            <a:endParaRPr lang="en-US" dirty="0"/>
           </a:p>
         </p:txBody>
       </p:sp>
@@ -7938,7 +11995,6 @@
               <a:rPr lang="en-US" dirty="0"/>
               <a:t>Filters</a:t>
             </a:r>
-            <a:endParaRPr lang="en-US" dirty="0"/>
           </a:p>
         </p:txBody>
       </p:sp>
@@ -8697,7 +12753,6 @@
               <a:rPr lang="en-US" dirty="0"/>
               <a:t>Filters</a:t>
             </a:r>
-            <a:endParaRPr lang="en-US" dirty="0"/>
           </a:p>
         </p:txBody>
       </p:sp>
@@ -10598,7 +14653,7 @@
           <p:nvPr/>
         </p:nvPicPr>
         <p:blipFill>
-          <a:blip r:embed="rId2">
+          <a:blip r:embed="rId3">
             <a:extLst>
               <a:ext uri="{28A0092B-C50C-407E-A947-70E740481C1C}">
                 <a14:useLocalDpi xmlns:a14="http://schemas.microsoft.com/office/drawing/2010/main" val="0"/>
@@ -10905,7 +14960,7 @@
           <p:nvPr/>
         </p:nvPicPr>
         <p:blipFill>
-          <a:blip r:embed="rId2">
+          <a:blip r:embed="rId3">
             <a:extLst>
               <a:ext uri="{28A0092B-C50C-407E-A947-70E740481C1C}">
                 <a14:useLocalDpi xmlns:a14="http://schemas.microsoft.com/office/drawing/2010/main" val="0"/>
@@ -11196,7 +15251,6 @@
               <a:rPr lang="es-MX" sz="2000" dirty="0"/>
               <a:t>link</a:t>
             </a:r>
-            <a:endParaRPr lang="es-MX" sz="2000" dirty="0"/>
           </a:p>
         </p:txBody>
       </p:sp>
@@ -11830,7 +15884,6 @@
               <a:rPr lang="en-US" dirty="0"/>
               <a:t>Filters</a:t>
             </a:r>
-            <a:endParaRPr lang="en-US" dirty="0"/>
           </a:p>
         </p:txBody>
       </p:sp>
@@ -12564,7 +16617,6 @@
               <a:rPr lang="en-US" dirty="0"/>
               <a:t>Filters</a:t>
             </a:r>
-            <a:endParaRPr lang="en-US" dirty="0"/>
           </a:p>
         </p:txBody>
       </p:sp>
@@ -13159,7 +17211,6 @@
               <a:rPr lang="en-US" dirty="0"/>
               <a:t>Filters</a:t>
             </a:r>
-            <a:endParaRPr lang="en-US" dirty="0"/>
           </a:p>
         </p:txBody>
       </p:sp>
@@ -13877,7 +17928,6 @@
               <a:rPr lang="en-US" dirty="0"/>
               <a:t>Filters</a:t>
             </a:r>
-            <a:endParaRPr lang="en-US" dirty="0"/>
           </a:p>
         </p:txBody>
       </p:sp>
@@ -14625,7 +18675,6 @@
               <a:rPr lang="en-US" dirty="0"/>
               <a:t>Filters</a:t>
             </a:r>
-            <a:endParaRPr lang="en-US" dirty="0"/>
           </a:p>
         </p:txBody>
       </p:sp>
@@ -14971,7 +19020,6 @@
               <a:rPr lang="en-US" dirty="0"/>
               <a:t>Filters</a:t>
             </a:r>
-            <a:endParaRPr lang="en-US" dirty="0"/>
           </a:p>
         </p:txBody>
       </p:sp>

--- a/Material AngularJS/AngularJS - Clase 1 Segundas 30.pptx
+++ b/Material AngularJS/AngularJS - Clase 1 Segundas 30.pptx
@@ -225,7 +225,7 @@
           <a:p>
             <a:fld id="{0CB2ADE4-DA66-4D2B-AEBC-945044852B12}" type="datetimeFigureOut">
               <a:rPr lang="es-AR" smtClean="0"/>
-              <a:t>14/10/2014</a:t>
+              <a:t>15/10/2014</a:t>
             </a:fld>
             <a:endParaRPr lang="es-AR"/>
           </a:p>
@@ -7539,7 +7539,6 @@
               <a:rPr lang="en-US" dirty="0"/>
               <a:t>Filters</a:t>
             </a:r>
-            <a:endParaRPr lang="en-US" dirty="0"/>
           </a:p>
         </p:txBody>
       </p:sp>
@@ -7938,7 +7937,6 @@
               <a:rPr lang="en-US" dirty="0"/>
               <a:t>Filters</a:t>
             </a:r>
-            <a:endParaRPr lang="en-US" dirty="0"/>
           </a:p>
         </p:txBody>
       </p:sp>
@@ -8697,7 +8695,6 @@
               <a:rPr lang="en-US" dirty="0"/>
               <a:t>Filters</a:t>
             </a:r>
-            <a:endParaRPr lang="en-US" dirty="0"/>
           </a:p>
         </p:txBody>
       </p:sp>
@@ -9199,24 +9196,14 @@
               <a:t>    </a:t>
             </a:r>
             <a:r>
-              <a:rPr lang="en-US" sz="1600" dirty="0" err="1">
+              <a:rPr lang="en-US" sz="1600" dirty="0">
                 <a:solidFill>
                   <a:srgbClr val="002060"/>
                 </a:solidFill>
                 <a:latin typeface="Courier New" panose="02070309020205020404" pitchFamily="49" charset="0"/>
                 <a:cs typeface="Courier New" panose="02070309020205020404" pitchFamily="49" charset="0"/>
               </a:rPr>
-              <a:t>var</a:t>
-            </a:r>
-            <a:r>
-              <a:rPr lang="en-US" sz="1600" dirty="0">
-                <a:solidFill>
-                  <a:srgbClr val="002060"/>
-                </a:solidFill>
-                <a:latin typeface="Courier New" panose="02070309020205020404" pitchFamily="49" charset="0"/>
-                <a:cs typeface="Courier New" panose="02070309020205020404" pitchFamily="49" charset="0"/>
-              </a:rPr>
-              <a:t> </a:t>
+              <a:t>var </a:t>
             </a:r>
             <a:r>
               <a:rPr lang="en-US" sz="1600" dirty="0" err="1">
@@ -11196,7 +11183,6 @@
               <a:rPr lang="es-MX" sz="2000" dirty="0"/>
               <a:t>link</a:t>
             </a:r>
-            <a:endParaRPr lang="es-MX" sz="2000" dirty="0"/>
           </a:p>
         </p:txBody>
       </p:sp>
@@ -11263,6 +11249,13 @@
   <p:clrMapOvr>
     <a:masterClrMapping/>
   </p:clrMapOvr>
+  <p:timing>
+    <p:tnLst>
+      <p:par>
+        <p:cTn id="1" dur="indefinite" restart="never" nodeType="tmRoot"/>
+      </p:par>
+    </p:tnLst>
+  </p:timing>
 </p:sld>
 </file>
 
@@ -11830,7 +11823,6 @@
               <a:rPr lang="en-US" dirty="0"/>
               <a:t>Filters</a:t>
             </a:r>
-            <a:endParaRPr lang="en-US" dirty="0"/>
           </a:p>
         </p:txBody>
       </p:sp>
@@ -12564,7 +12556,6 @@
               <a:rPr lang="en-US" dirty="0"/>
               <a:t>Filters</a:t>
             </a:r>
-            <a:endParaRPr lang="en-US" dirty="0"/>
           </a:p>
         </p:txBody>
       </p:sp>
@@ -13159,7 +13150,6 @@
               <a:rPr lang="en-US" dirty="0"/>
               <a:t>Filters</a:t>
             </a:r>
-            <a:endParaRPr lang="en-US" dirty="0"/>
           </a:p>
         </p:txBody>
       </p:sp>
@@ -13877,7 +13867,6 @@
               <a:rPr lang="en-US" dirty="0"/>
               <a:t>Filters</a:t>
             </a:r>
-            <a:endParaRPr lang="en-US" dirty="0"/>
           </a:p>
         </p:txBody>
       </p:sp>
@@ -14625,7 +14614,6 @@
               <a:rPr lang="en-US" dirty="0"/>
               <a:t>Filters</a:t>
             </a:r>
-            <a:endParaRPr lang="en-US" dirty="0"/>
           </a:p>
         </p:txBody>
       </p:sp>
@@ -14971,7 +14959,6 @@
               <a:rPr lang="en-US" dirty="0"/>
               <a:t>Filters</a:t>
             </a:r>
-            <a:endParaRPr lang="en-US" dirty="0"/>
           </a:p>
         </p:txBody>
       </p:sp>
@@ -15213,7 +15200,7 @@
           <a:lstStyle/>
           <a:p>
             <a:r>
-              <a:rPr lang="en-US" dirty="0" err="1">
+              <a:rPr lang="en-US" dirty="0">
                 <a:solidFill>
                   <a:srgbClr val="0070C0"/>
                 </a:solidFill>
@@ -15309,7 +15296,7 @@
           </a:p>
           <a:p>
             <a:r>
-              <a:rPr lang="en-US" dirty="0" err="1">
+              <a:rPr lang="en-US" dirty="0">
                 <a:solidFill>
                   <a:srgbClr val="0070C0"/>
                 </a:solidFill>
